--- a/2023/02产品/SNC8x/02)Soundec产品线/00)AIoT/04)落地方案/02)骑行头盔/智能头盔解决方案.pptx
+++ b/2023/02产品/SNC8x/02)Soundec产品线/00)AIoT/04)落地方案/02)骑行头盔/智能头盔解决方案.pptx
@@ -5,12 +5,21 @@
     <p:sldMasterId id="2147483648" r:id="rId1"/>
   </p:sldMasterIdLst>
   <p:notesMasterIdLst>
-    <p:notesMasterId r:id="rId5"/>
+    <p:notesMasterId r:id="rId14"/>
   </p:notesMasterIdLst>
   <p:sldIdLst>
     <p:sldId id="256" r:id="rId2"/>
-    <p:sldId id="276" r:id="rId3"/>
-    <p:sldId id="277" r:id="rId4"/>
+    <p:sldId id="283" r:id="rId3"/>
+    <p:sldId id="278" r:id="rId4"/>
+    <p:sldId id="285" r:id="rId5"/>
+    <p:sldId id="286" r:id="rId6"/>
+    <p:sldId id="279" r:id="rId7"/>
+    <p:sldId id="280" r:id="rId8"/>
+    <p:sldId id="281" r:id="rId9"/>
+    <p:sldId id="282" r:id="rId10"/>
+    <p:sldId id="276" r:id="rId11"/>
+    <p:sldId id="277" r:id="rId12"/>
+    <p:sldId id="284" r:id="rId13"/>
   </p:sldIdLst>
   <p:sldSz cx="12192000" cy="6858000"/>
   <p:notesSz cx="6858000" cy="9144000"/>
@@ -110,6 +119,42 @@
     </a:lvl9pPr>
   </p:defaultTextStyle>
   <p:extLst>
+    <p:ext uri="{521415D9-36F7-43E2-AB2F-B90AF26B5E84}">
+      <p14:sectionLst xmlns:p14="http://schemas.microsoft.com/office/powerpoint/2010/main">
+        <p14:section name="默认节" id="{B63D6338-87FB-4218-BBC1-6C546C54321E}">
+          <p14:sldIdLst>
+            <p14:sldId id="256"/>
+          </p14:sldIdLst>
+        </p14:section>
+        <p14:section name="市场调研" id="{324B5E6C-10E7-488F-B2D6-72216BCF76A3}">
+          <p14:sldIdLst>
+            <p14:sldId id="283"/>
+            <p14:sldId id="278"/>
+            <p14:sldId id="285"/>
+            <p14:sldId id="286"/>
+            <p14:sldId id="279"/>
+          </p14:sldIdLst>
+        </p14:section>
+        <p14:section name="需求痛点梳理" id="{5778A11E-86BD-41D2-B8BF-74FF47D5FE1E}">
+          <p14:sldIdLst>
+            <p14:sldId id="280"/>
+          </p14:sldIdLst>
+        </p14:section>
+        <p14:section name="安全帽分类" id="{4EBE7DC4-6E48-4CC1-8F4F-8E9F97F502AE}">
+          <p14:sldIdLst>
+            <p14:sldId id="281"/>
+            <p14:sldId id="282"/>
+          </p14:sldIdLst>
+        </p14:section>
+        <p14:section name="初版解决方案" id="{45C8E85A-A998-4096-BC82-D69BF26D797C}">
+          <p14:sldIdLst>
+            <p14:sldId id="276"/>
+            <p14:sldId id="277"/>
+            <p14:sldId id="284"/>
+          </p14:sldIdLst>
+        </p14:section>
+      </p14:sectionLst>
+    </p:ext>
     <p:ext uri="{EFAFB233-063F-42B5-8137-9DF3F51BA10A}">
       <p15:sldGuideLst xmlns:p15="http://schemas.microsoft.com/office/powerpoint/2012/main"/>
     </p:ext>
@@ -199,7 +244,7 @@
           <a:p>
             <a:fld id="{0D578E9D-1FA9-DF46-963A-E1BBCE64FD16}" type="datetimeFigureOut">
               <a:rPr kumimoji="1" lang="zh-CN" altLang="en-US" smtClean="0"/>
-              <a:t>2023/4/21</a:t>
+              <a:t>2023/4/26</a:t>
             </a:fld>
             <a:endParaRPr kumimoji="1" lang="zh-CN" altLang="en-US"/>
           </a:p>
@@ -613,7 +658,7 @@
           <a:p>
             <a:fld id="{50745785-8A0D-9042-A327-928C94299F67}" type="datetimeFigureOut">
               <a:rPr kumimoji="1" lang="zh-CN" altLang="en-US" smtClean="0"/>
-              <a:t>2023/4/21</a:t>
+              <a:t>2023/4/26</a:t>
             </a:fld>
             <a:endParaRPr kumimoji="1" lang="zh-CN" altLang="en-US"/>
           </a:p>
@@ -811,7 +856,7 @@
           <a:p>
             <a:fld id="{50745785-8A0D-9042-A327-928C94299F67}" type="datetimeFigureOut">
               <a:rPr kumimoji="1" lang="zh-CN" altLang="en-US" smtClean="0"/>
-              <a:t>2023/4/21</a:t>
+              <a:t>2023/4/26</a:t>
             </a:fld>
             <a:endParaRPr kumimoji="1" lang="zh-CN" altLang="en-US"/>
           </a:p>
@@ -1019,7 +1064,7 @@
           <a:p>
             <a:fld id="{50745785-8A0D-9042-A327-928C94299F67}" type="datetimeFigureOut">
               <a:rPr kumimoji="1" lang="zh-CN" altLang="en-US" smtClean="0"/>
-              <a:t>2023/4/21</a:t>
+              <a:t>2023/4/26</a:t>
             </a:fld>
             <a:endParaRPr kumimoji="1" lang="zh-CN" altLang="en-US"/>
           </a:p>
@@ -1217,7 +1262,7 @@
           <a:p>
             <a:fld id="{50745785-8A0D-9042-A327-928C94299F67}" type="datetimeFigureOut">
               <a:rPr kumimoji="1" lang="zh-CN" altLang="en-US" smtClean="0"/>
-              <a:t>2023/4/21</a:t>
+              <a:t>2023/4/26</a:t>
             </a:fld>
             <a:endParaRPr kumimoji="1" lang="zh-CN" altLang="en-US"/>
           </a:p>
@@ -1492,7 +1537,7 @@
           <a:p>
             <a:fld id="{50745785-8A0D-9042-A327-928C94299F67}" type="datetimeFigureOut">
               <a:rPr kumimoji="1" lang="zh-CN" altLang="en-US" smtClean="0"/>
-              <a:t>2023/4/21</a:t>
+              <a:t>2023/4/26</a:t>
             </a:fld>
             <a:endParaRPr kumimoji="1" lang="zh-CN" altLang="en-US"/>
           </a:p>
@@ -1757,7 +1802,7 @@
           <a:p>
             <a:fld id="{50745785-8A0D-9042-A327-928C94299F67}" type="datetimeFigureOut">
               <a:rPr kumimoji="1" lang="zh-CN" altLang="en-US" smtClean="0"/>
-              <a:t>2023/4/21</a:t>
+              <a:t>2023/4/26</a:t>
             </a:fld>
             <a:endParaRPr kumimoji="1" lang="zh-CN" altLang="en-US"/>
           </a:p>
@@ -2169,7 +2214,7 @@
           <a:p>
             <a:fld id="{50745785-8A0D-9042-A327-928C94299F67}" type="datetimeFigureOut">
               <a:rPr kumimoji="1" lang="zh-CN" altLang="en-US" smtClean="0"/>
-              <a:t>2023/4/21</a:t>
+              <a:t>2023/4/26</a:t>
             </a:fld>
             <a:endParaRPr kumimoji="1" lang="zh-CN" altLang="en-US"/>
           </a:p>
@@ -2310,7 +2355,7 @@
           <a:p>
             <a:fld id="{50745785-8A0D-9042-A327-928C94299F67}" type="datetimeFigureOut">
               <a:rPr kumimoji="1" lang="zh-CN" altLang="en-US" smtClean="0"/>
-              <a:t>2023/4/21</a:t>
+              <a:t>2023/4/26</a:t>
             </a:fld>
             <a:endParaRPr kumimoji="1" lang="zh-CN" altLang="en-US"/>
           </a:p>
@@ -2423,7 +2468,7 @@
           <a:p>
             <a:fld id="{50745785-8A0D-9042-A327-928C94299F67}" type="datetimeFigureOut">
               <a:rPr kumimoji="1" lang="zh-CN" altLang="en-US" smtClean="0"/>
-              <a:t>2023/4/21</a:t>
+              <a:t>2023/4/26</a:t>
             </a:fld>
             <a:endParaRPr kumimoji="1" lang="zh-CN" altLang="en-US"/>
           </a:p>
@@ -2734,7 +2779,7 @@
           <a:p>
             <a:fld id="{50745785-8A0D-9042-A327-928C94299F67}" type="datetimeFigureOut">
               <a:rPr kumimoji="1" lang="zh-CN" altLang="en-US" smtClean="0"/>
-              <a:t>2023/4/21</a:t>
+              <a:t>2023/4/26</a:t>
             </a:fld>
             <a:endParaRPr kumimoji="1" lang="zh-CN" altLang="en-US"/>
           </a:p>
@@ -3022,7 +3067,7 @@
           <a:p>
             <a:fld id="{50745785-8A0D-9042-A327-928C94299F67}" type="datetimeFigureOut">
               <a:rPr kumimoji="1" lang="zh-CN" altLang="en-US" smtClean="0"/>
-              <a:t>2023/4/21</a:t>
+              <a:t>2023/4/26</a:t>
             </a:fld>
             <a:endParaRPr kumimoji="1" lang="zh-CN" altLang="en-US"/>
           </a:p>
@@ -3263,7 +3308,7 @@
           <a:p>
             <a:fld id="{50745785-8A0D-9042-A327-928C94299F67}" type="datetimeFigureOut">
               <a:rPr kumimoji="1" lang="zh-CN" altLang="en-US" smtClean="0"/>
-              <a:t>2023/4/21</a:t>
+              <a:t>2023/4/26</a:t>
             </a:fld>
             <a:endParaRPr kumimoji="1" lang="zh-CN" altLang="en-US"/>
           </a:p>
@@ -3758,7 +3803,7 @@
 </p:sld>
 </file>
 
-<file path=ppt/slides/slide2.xml><?xml version="1.0" encoding="utf-8"?>
+<file path=ppt/slides/slide10.xml><?xml version="1.0" encoding="utf-8"?>
 <p:sld xmlns:a="http://schemas.openxmlformats.org/drawingml/2006/main" xmlns:r="http://schemas.openxmlformats.org/officeDocument/2006/relationships" xmlns:p="http://schemas.openxmlformats.org/presentationml/2006/main">
   <p:cSld>
     <p:spTree>
@@ -4150,7 +4195,7 @@
           <a:p>
             <a:fld id="{58E94DD9-19E9-4AB5-81F1-0924461723A7}" type="slidenum">
               <a:rPr lang="zh-CN" altLang="en-US" smtClean="0"/>
-              <a:t>2</a:t>
+              <a:t>10</a:t>
             </a:fld>
             <a:endParaRPr lang="zh-CN" altLang="en-US"/>
           </a:p>
@@ -4476,7 +4521,7 @@
 </p:sld>
 </file>
 
-<file path=ppt/slides/slide3.xml><?xml version="1.0" encoding="utf-8"?>
+<file path=ppt/slides/slide11.xml><?xml version="1.0" encoding="utf-8"?>
 <p:sld xmlns:a="http://schemas.openxmlformats.org/drawingml/2006/main" xmlns:r="http://schemas.openxmlformats.org/officeDocument/2006/relationships" xmlns:p="http://schemas.openxmlformats.org/presentationml/2006/main">
   <p:cSld>
     <p:spTree>
@@ -4852,7 +4897,7 @@
           <a:p>
             <a:fld id="{58E94DD9-19E9-4AB5-81F1-0924461723A7}" type="slidenum">
               <a:rPr lang="zh-CN" altLang="en-US" smtClean="0"/>
-              <a:t>3</a:t>
+              <a:t>11</a:t>
             </a:fld>
             <a:endParaRPr lang="zh-CN" altLang="en-US"/>
           </a:p>
@@ -7902,6 +7947,3077 @@
     <p:extLst>
       <p:ext uri="{BB962C8B-B14F-4D97-AF65-F5344CB8AC3E}">
         <p14:creationId xmlns:p14="http://schemas.microsoft.com/office/powerpoint/2010/main" val="1989085497"/>
+      </p:ext>
+    </p:extLst>
+  </p:cSld>
+  <p:clrMapOvr>
+    <a:masterClrMapping/>
+  </p:clrMapOvr>
+</p:sld>
+</file>
+
+<file path=ppt/slides/slide12.xml><?xml version="1.0" encoding="utf-8"?>
+<p:sld xmlns:a="http://schemas.openxmlformats.org/drawingml/2006/main" xmlns:r="http://schemas.openxmlformats.org/officeDocument/2006/relationships" xmlns:p="http://schemas.openxmlformats.org/presentationml/2006/main">
+  <p:cSld>
+    <p:spTree>
+      <p:nvGrpSpPr>
+        <p:cNvPr id="1" name=""/>
+        <p:cNvGrpSpPr/>
+        <p:nvPr/>
+      </p:nvGrpSpPr>
+      <p:grpSpPr>
+        <a:xfrm>
+          <a:off x="0" y="0"/>
+          <a:ext cx="0" cy="0"/>
+          <a:chOff x="0" y="0"/>
+          <a:chExt cx="0" cy="0"/>
+        </a:xfrm>
+      </p:grpSpPr>
+      <p:sp>
+        <p:nvSpPr>
+          <p:cNvPr id="2" name="标题 1">
+            <a:extLst>
+              <a:ext uri="{FF2B5EF4-FFF2-40B4-BE49-F238E27FC236}">
+                <a16:creationId xmlns:a16="http://schemas.microsoft.com/office/drawing/2014/main" id="{92254F1F-BE56-F100-14A1-6A88406EA97C}"/>
+              </a:ext>
+            </a:extLst>
+          </p:cNvPr>
+          <p:cNvSpPr>
+            <a:spLocks noGrp="1"/>
+          </p:cNvSpPr>
+          <p:nvPr>
+            <p:ph type="title"/>
+          </p:nvPr>
+        </p:nvSpPr>
+        <p:spPr/>
+        <p:txBody>
+          <a:bodyPr/>
+          <a:lstStyle/>
+          <a:p>
+            <a:r>
+              <a:rPr lang="zh-CN" altLang="en-US" dirty="0"/>
+              <a:t>其他结构</a:t>
+            </a:r>
+            <a:r>
+              <a:rPr lang="en-US" altLang="zh-CN" dirty="0"/>
+              <a:t>-</a:t>
+            </a:r>
+            <a:r>
+              <a:rPr lang="zh-CN" altLang="en-US" dirty="0"/>
+              <a:t>外观考虑</a:t>
+            </a:r>
+          </a:p>
+        </p:txBody>
+      </p:sp>
+      <p:sp>
+        <p:nvSpPr>
+          <p:cNvPr id="3" name="内容占位符 2">
+            <a:extLst>
+              <a:ext uri="{FF2B5EF4-FFF2-40B4-BE49-F238E27FC236}">
+                <a16:creationId xmlns:a16="http://schemas.microsoft.com/office/drawing/2014/main" id="{55DCA44A-8D59-6E5E-9A92-BDBA536F0735}"/>
+              </a:ext>
+            </a:extLst>
+          </p:cNvPr>
+          <p:cNvSpPr>
+            <a:spLocks noGrp="1"/>
+          </p:cNvSpPr>
+          <p:nvPr>
+            <p:ph idx="1"/>
+          </p:nvPr>
+        </p:nvSpPr>
+        <p:spPr/>
+        <p:txBody>
+          <a:bodyPr/>
+          <a:lstStyle/>
+          <a:p>
+            <a:r>
+              <a:rPr lang="zh-CN" altLang="en-US" dirty="0"/>
+              <a:t>防水</a:t>
+            </a:r>
+            <a:endParaRPr lang="en-US" altLang="zh-CN" dirty="0"/>
+          </a:p>
+          <a:p>
+            <a:pPr lvl="1"/>
+            <a:r>
+              <a:rPr lang="zh-CN" altLang="en-US" dirty="0"/>
+              <a:t>下雨时，耳机和麦克风的进水问题处理</a:t>
+            </a:r>
+            <a:endParaRPr lang="en-US" altLang="zh-CN" dirty="0"/>
+          </a:p>
+          <a:p>
+            <a:pPr lvl="1"/>
+            <a:endParaRPr lang="en-US" altLang="zh-CN" dirty="0"/>
+          </a:p>
+          <a:p>
+            <a:pPr lvl="1"/>
+            <a:endParaRPr lang="en-US" altLang="zh-CN" dirty="0"/>
+          </a:p>
+          <a:p>
+            <a:r>
+              <a:rPr lang="zh-CN" altLang="en-US" dirty="0"/>
+              <a:t>头盔报废制度</a:t>
+            </a:r>
+            <a:endParaRPr lang="en-US" altLang="zh-CN" dirty="0"/>
+          </a:p>
+          <a:p>
+            <a:pPr lvl="1"/>
+            <a:r>
+              <a:rPr lang="zh-CN" altLang="en-US" dirty="0"/>
+              <a:t>有无？</a:t>
+            </a:r>
+            <a:r>
+              <a:rPr lang="en-US" altLang="zh-CN" dirty="0"/>
+              <a:t>TBC</a:t>
+            </a:r>
+            <a:endParaRPr lang="zh-CN" altLang="en-US" dirty="0"/>
+          </a:p>
+        </p:txBody>
+      </p:sp>
+    </p:spTree>
+    <p:extLst>
+      <p:ext uri="{BB962C8B-B14F-4D97-AF65-F5344CB8AC3E}">
+        <p14:creationId xmlns:p14="http://schemas.microsoft.com/office/powerpoint/2010/main" val="3846945406"/>
+      </p:ext>
+    </p:extLst>
+  </p:cSld>
+  <p:clrMapOvr>
+    <a:masterClrMapping/>
+  </p:clrMapOvr>
+</p:sld>
+</file>
+
+<file path=ppt/slides/slide2.xml><?xml version="1.0" encoding="utf-8"?>
+<p:sld xmlns:a="http://schemas.openxmlformats.org/drawingml/2006/main" xmlns:r="http://schemas.openxmlformats.org/officeDocument/2006/relationships" xmlns:p="http://schemas.openxmlformats.org/presentationml/2006/main">
+  <p:cSld>
+    <p:spTree>
+      <p:nvGrpSpPr>
+        <p:cNvPr id="1" name=""/>
+        <p:cNvGrpSpPr/>
+        <p:nvPr/>
+      </p:nvGrpSpPr>
+      <p:grpSpPr>
+        <a:xfrm>
+          <a:off x="0" y="0"/>
+          <a:ext cx="0" cy="0"/>
+          <a:chOff x="0" y="0"/>
+          <a:chExt cx="0" cy="0"/>
+        </a:xfrm>
+      </p:grpSpPr>
+      <p:pic>
+        <p:nvPicPr>
+          <p:cNvPr id="1026" name="Picture 2">
+            <a:extLst>
+              <a:ext uri="{FF2B5EF4-FFF2-40B4-BE49-F238E27FC236}">
+                <a16:creationId xmlns:a16="http://schemas.microsoft.com/office/drawing/2014/main" id="{5DA93DBA-047A-D7FC-ABDD-FA072EF6C6A4}"/>
+              </a:ext>
+            </a:extLst>
+          </p:cNvPr>
+          <p:cNvPicPr>
+            <a:picLocks noChangeAspect="1" noChangeArrowheads="1"/>
+          </p:cNvPicPr>
+          <p:nvPr/>
+        </p:nvPicPr>
+        <p:blipFill>
+          <a:blip r:embed="rId2">
+            <a:extLst>
+              <a:ext uri="{28A0092B-C50C-407E-A947-70E740481C1C}">
+                <a14:useLocalDpi xmlns:a14="http://schemas.microsoft.com/office/drawing/2010/main" val="0"/>
+              </a:ext>
+            </a:extLst>
+          </a:blip>
+          <a:srcRect/>
+          <a:stretch>
+            <a:fillRect/>
+          </a:stretch>
+        </p:blipFill>
+        <p:spPr bwMode="auto">
+          <a:xfrm>
+            <a:off x="6724650" y="2944178"/>
+            <a:ext cx="4629150" cy="2910339"/>
+          </a:xfrm>
+          <a:prstGeom prst="rect">
+            <a:avLst/>
+          </a:prstGeom>
+          <a:noFill/>
+          <a:extLst>
+            <a:ext uri="{909E8E84-426E-40DD-AFC4-6F175D3DCCD1}">
+              <a14:hiddenFill xmlns:a14="http://schemas.microsoft.com/office/drawing/2010/main">
+                <a:solidFill>
+                  <a:srgbClr val="FFFFFF"/>
+                </a:solidFill>
+              </a14:hiddenFill>
+            </a:ext>
+          </a:extLst>
+        </p:spPr>
+      </p:pic>
+      <p:sp>
+        <p:nvSpPr>
+          <p:cNvPr id="2" name="标题 1">
+            <a:extLst>
+              <a:ext uri="{FF2B5EF4-FFF2-40B4-BE49-F238E27FC236}">
+                <a16:creationId xmlns:a16="http://schemas.microsoft.com/office/drawing/2014/main" id="{40CDDF17-95DF-1725-3249-F37F658B635C}"/>
+              </a:ext>
+            </a:extLst>
+          </p:cNvPr>
+          <p:cNvSpPr>
+            <a:spLocks noGrp="1"/>
+          </p:cNvSpPr>
+          <p:nvPr>
+            <p:ph type="title"/>
+          </p:nvPr>
+        </p:nvSpPr>
+        <p:spPr/>
+        <p:txBody>
+          <a:bodyPr/>
+          <a:lstStyle/>
+          <a:p>
+            <a:r>
+              <a:rPr lang="zh-CN" altLang="en-US" dirty="0"/>
+              <a:t>安全帽的国家标准</a:t>
+            </a:r>
+          </a:p>
+        </p:txBody>
+      </p:sp>
+      <p:sp>
+        <p:nvSpPr>
+          <p:cNvPr id="3" name="内容占位符 2">
+            <a:extLst>
+              <a:ext uri="{FF2B5EF4-FFF2-40B4-BE49-F238E27FC236}">
+                <a16:creationId xmlns:a16="http://schemas.microsoft.com/office/drawing/2014/main" id="{A39D46BD-FF74-5B01-27D0-78E327B379B8}"/>
+              </a:ext>
+            </a:extLst>
+          </p:cNvPr>
+          <p:cNvSpPr>
+            <a:spLocks noGrp="1"/>
+          </p:cNvSpPr>
+          <p:nvPr>
+            <p:ph idx="1"/>
+          </p:nvPr>
+        </p:nvSpPr>
+        <p:spPr/>
+        <p:txBody>
+          <a:bodyPr>
+            <a:normAutofit fontScale="92500" lnSpcReduction="20000"/>
+          </a:bodyPr>
+          <a:lstStyle/>
+          <a:p>
+            <a:r>
+              <a:rPr lang="zh-CN" altLang="en-US" sz="1600" b="0" i="0" dirty="0">
+                <a:solidFill>
+                  <a:srgbClr val="191919"/>
+                </a:solidFill>
+                <a:effectLst/>
+                <a:latin typeface="PingFang SC"/>
+              </a:rPr>
+              <a:t>参考国家标准：安全帽要符合</a:t>
+            </a:r>
+            <a:r>
+              <a:rPr lang="en-US" altLang="zh-CN" sz="1600" b="0" i="0" dirty="0">
+                <a:solidFill>
+                  <a:srgbClr val="191919"/>
+                </a:solidFill>
+                <a:effectLst/>
+                <a:latin typeface="PingFang SC"/>
+              </a:rPr>
+              <a:t>GB 2811-2019《</a:t>
+            </a:r>
+            <a:r>
+              <a:rPr lang="zh-CN" altLang="en-US" sz="1600" b="0" i="0" dirty="0">
+                <a:solidFill>
+                  <a:srgbClr val="191919"/>
+                </a:solidFill>
+                <a:effectLst/>
+                <a:latin typeface="PingFang SC"/>
+              </a:rPr>
+              <a:t>安全帽</a:t>
+            </a:r>
+            <a:r>
+              <a:rPr lang="en-US" altLang="zh-CN" sz="1600" b="0" i="0" dirty="0">
+                <a:solidFill>
+                  <a:srgbClr val="191919"/>
+                </a:solidFill>
+                <a:effectLst/>
+                <a:latin typeface="PingFang SC"/>
+              </a:rPr>
+              <a:t>》</a:t>
+            </a:r>
+            <a:r>
+              <a:rPr lang="zh-CN" altLang="en-US" sz="1600" b="0" i="0" dirty="0">
+                <a:solidFill>
+                  <a:srgbClr val="191919"/>
+                </a:solidFill>
+                <a:effectLst/>
+                <a:latin typeface="PingFang SC"/>
+              </a:rPr>
+              <a:t>要求，安全帽的选用要符合</a:t>
+            </a:r>
+            <a:r>
+              <a:rPr lang="en-US" altLang="zh-CN" sz="1600" b="0" i="0" dirty="0">
+                <a:solidFill>
+                  <a:srgbClr val="191919"/>
+                </a:solidFill>
+                <a:effectLst/>
+                <a:latin typeface="PingFang SC"/>
+              </a:rPr>
+              <a:t>GB/T 30041-2013《</a:t>
+            </a:r>
+            <a:r>
+              <a:rPr lang="zh-CN" altLang="en-US" sz="1600" b="0" i="0" dirty="0">
+                <a:solidFill>
+                  <a:srgbClr val="191919"/>
+                </a:solidFill>
+                <a:effectLst/>
+                <a:latin typeface="PingFang SC"/>
+              </a:rPr>
+              <a:t>头部防护 安全帽选用规范</a:t>
+            </a:r>
+            <a:r>
+              <a:rPr lang="en-US" altLang="zh-CN" sz="1600" b="0" i="0" dirty="0">
+                <a:solidFill>
+                  <a:srgbClr val="191919"/>
+                </a:solidFill>
+                <a:effectLst/>
+                <a:latin typeface="PingFang SC"/>
+              </a:rPr>
+              <a:t>》</a:t>
+            </a:r>
+            <a:r>
+              <a:rPr lang="zh-CN" altLang="en-US" sz="1600" b="0" i="0" dirty="0">
+                <a:solidFill>
+                  <a:srgbClr val="191919"/>
+                </a:solidFill>
+                <a:effectLst/>
+                <a:latin typeface="PingFang SC"/>
+              </a:rPr>
+              <a:t>要求。刚度、稳定性、耐穿透性、吸收碰撞能量性，符合</a:t>
+            </a:r>
+            <a:r>
+              <a:rPr lang="en-US" altLang="zh-CN" sz="1600" b="0" i="0" dirty="0">
+                <a:solidFill>
+                  <a:srgbClr val="191919"/>
+                </a:solidFill>
+                <a:effectLst/>
+                <a:latin typeface="PingFang SC"/>
+              </a:rPr>
+              <a:t>GB811-2010</a:t>
+            </a:r>
+            <a:r>
+              <a:rPr lang="zh-CN" altLang="en-US" sz="1600" b="0" i="0" dirty="0">
+                <a:solidFill>
+                  <a:srgbClr val="191919"/>
+                </a:solidFill>
+                <a:effectLst/>
+                <a:latin typeface="PingFang SC"/>
+              </a:rPr>
+              <a:t>标准；安全帽的测试方法，符合</a:t>
+            </a:r>
+            <a:r>
+              <a:rPr lang="en-US" altLang="zh-CN" sz="1600" b="0" i="0" dirty="0">
+                <a:solidFill>
+                  <a:srgbClr val="191919"/>
+                </a:solidFill>
+                <a:effectLst/>
+                <a:latin typeface="PingFang SC"/>
+              </a:rPr>
+              <a:t>GB2812-2006</a:t>
+            </a:r>
+            <a:r>
+              <a:rPr lang="zh-CN" altLang="en-US" sz="1600" b="0" i="0" dirty="0">
+                <a:solidFill>
+                  <a:srgbClr val="191919"/>
+                </a:solidFill>
+                <a:effectLst/>
+                <a:latin typeface="PingFang SC"/>
+              </a:rPr>
+              <a:t>标准</a:t>
+            </a:r>
+            <a:r>
+              <a:rPr lang="zh-CN" altLang="en-US" sz="1600" dirty="0">
+                <a:solidFill>
+                  <a:srgbClr val="191919"/>
+                </a:solidFill>
+                <a:latin typeface="PingFang SC"/>
+              </a:rPr>
+              <a:t>。</a:t>
+            </a:r>
+            <a:endParaRPr lang="en-US" altLang="zh-CN" sz="1600" b="0" i="0" dirty="0">
+              <a:solidFill>
+                <a:srgbClr val="191919"/>
+              </a:solidFill>
+              <a:effectLst/>
+              <a:latin typeface="PingFang SC"/>
+            </a:endParaRPr>
+          </a:p>
+          <a:p>
+            <a:r>
+              <a:rPr lang="zh-CN" altLang="en-US" sz="1600" b="0" i="0" dirty="0">
+                <a:solidFill>
+                  <a:srgbClr val="191919"/>
+                </a:solidFill>
+                <a:effectLst/>
+                <a:latin typeface="PingFang SC"/>
+              </a:rPr>
+              <a:t>安全帽由帽壳、帽衬、下颊带和后箍组成</a:t>
+            </a:r>
+            <a:r>
+              <a:rPr lang="zh-CN" altLang="en-US" sz="1600" dirty="0">
+                <a:solidFill>
+                  <a:srgbClr val="191919"/>
+                </a:solidFill>
+                <a:latin typeface="PingFang SC"/>
+              </a:rPr>
+              <a:t>。</a:t>
+            </a:r>
+            <a:r>
+              <a:rPr lang="zh-CN" altLang="en-US" sz="1600" b="0" i="0" dirty="0">
+                <a:solidFill>
+                  <a:srgbClr val="FF0000"/>
+                </a:solidFill>
+                <a:effectLst/>
+                <a:latin typeface="PingFang SC"/>
+              </a:rPr>
+              <a:t>帽壳和帽衬之间留有一定空间</a:t>
+            </a:r>
+            <a:r>
+              <a:rPr lang="zh-CN" altLang="en-US" sz="1600" b="0" i="0" dirty="0">
+                <a:solidFill>
+                  <a:srgbClr val="191919"/>
+                </a:solidFill>
+                <a:effectLst/>
+                <a:latin typeface="PingFang SC"/>
+              </a:rPr>
+              <a:t>，可缓冲、分散瞬时冲击力，从而避免或减轻对头部的直接伤害。冲击吸性性能、耐穿刺性能、侧向刚性、电绝缘性、阻燃性是对安全帽的基本技术性能的要求。</a:t>
+            </a:r>
+            <a:endParaRPr lang="en-US" altLang="zh-CN" sz="1600" b="0" i="0" dirty="0">
+              <a:solidFill>
+                <a:srgbClr val="191919"/>
+              </a:solidFill>
+              <a:effectLst/>
+              <a:latin typeface="PingFang SC"/>
+            </a:endParaRPr>
+          </a:p>
+          <a:p>
+            <a:pPr algn="l"/>
+            <a:r>
+              <a:rPr lang="zh-CN" altLang="en-US" sz="1600" b="0" i="0" dirty="0">
+                <a:solidFill>
+                  <a:srgbClr val="191919"/>
+                </a:solidFill>
+                <a:effectLst/>
+                <a:latin typeface="PingFang SC"/>
+              </a:rPr>
+              <a:t>安全帽规格要求</a:t>
+            </a:r>
+          </a:p>
+          <a:p>
+            <a:pPr lvl="1"/>
+            <a:r>
+              <a:rPr lang="zh-CN" altLang="en-US" sz="1400" b="0" i="0" dirty="0">
+                <a:solidFill>
+                  <a:srgbClr val="191919"/>
+                </a:solidFill>
+                <a:effectLst/>
+                <a:latin typeface="PingFang SC"/>
+              </a:rPr>
+              <a:t>垂直间距：按规定条件测量，其值应在</a:t>
+            </a:r>
+            <a:r>
+              <a:rPr lang="en-US" altLang="zh-CN" sz="1400" b="0" i="0" dirty="0">
+                <a:solidFill>
+                  <a:srgbClr val="191919"/>
+                </a:solidFill>
+                <a:effectLst/>
+                <a:latin typeface="PingFang SC"/>
+              </a:rPr>
+              <a:t>25-50mm</a:t>
+            </a:r>
+            <a:r>
+              <a:rPr lang="zh-CN" altLang="en-US" sz="1400" b="0" i="0" dirty="0">
+                <a:solidFill>
+                  <a:srgbClr val="191919"/>
+                </a:solidFill>
+                <a:effectLst/>
+                <a:latin typeface="PingFang SC"/>
+              </a:rPr>
+              <a:t>之间。</a:t>
+            </a:r>
+          </a:p>
+          <a:p>
+            <a:pPr lvl="1"/>
+            <a:r>
+              <a:rPr lang="zh-CN" altLang="en-US" sz="1400" b="0" i="0" dirty="0">
+                <a:solidFill>
+                  <a:srgbClr val="191919"/>
+                </a:solidFill>
+                <a:effectLst/>
+                <a:latin typeface="PingFang SC"/>
+              </a:rPr>
+              <a:t>水平间距：按规定条件测量，其值应在</a:t>
+            </a:r>
+            <a:r>
+              <a:rPr lang="en-US" altLang="zh-CN" sz="1400" b="0" i="0" dirty="0">
+                <a:solidFill>
+                  <a:srgbClr val="191919"/>
+                </a:solidFill>
+                <a:effectLst/>
+                <a:latin typeface="PingFang SC"/>
+              </a:rPr>
+              <a:t>5-20mm</a:t>
+            </a:r>
+            <a:r>
+              <a:rPr lang="zh-CN" altLang="en-US" sz="1400" b="0" i="0" dirty="0">
+                <a:solidFill>
+                  <a:srgbClr val="191919"/>
+                </a:solidFill>
+                <a:effectLst/>
+                <a:latin typeface="PingFang SC"/>
+              </a:rPr>
+              <a:t>之间。</a:t>
+            </a:r>
+          </a:p>
+          <a:p>
+            <a:pPr lvl="1"/>
+            <a:r>
+              <a:rPr lang="zh-CN" altLang="en-US" sz="1400" b="0" i="0" dirty="0">
+                <a:solidFill>
+                  <a:srgbClr val="191919"/>
+                </a:solidFill>
+                <a:effectLst/>
+                <a:latin typeface="PingFang SC"/>
+              </a:rPr>
+              <a:t>佩戴高度：按规定条件测量，其值应在</a:t>
+            </a:r>
+            <a:r>
+              <a:rPr lang="en-US" altLang="zh-CN" sz="1400" b="0" i="0" dirty="0">
+                <a:solidFill>
+                  <a:srgbClr val="191919"/>
+                </a:solidFill>
+                <a:effectLst/>
+                <a:latin typeface="PingFang SC"/>
+              </a:rPr>
+              <a:t>80-90mm</a:t>
+            </a:r>
+            <a:r>
+              <a:rPr lang="zh-CN" altLang="en-US" sz="1400" b="0" i="0" dirty="0">
+                <a:solidFill>
+                  <a:srgbClr val="191919"/>
+                </a:solidFill>
+                <a:effectLst/>
+                <a:latin typeface="PingFang SC"/>
+              </a:rPr>
+              <a:t>之间。</a:t>
+            </a:r>
+          </a:p>
+          <a:p>
+            <a:r>
+              <a:rPr lang="zh-CN" altLang="en-US" sz="1600" b="0" i="0" dirty="0">
+                <a:solidFill>
+                  <a:srgbClr val="191919"/>
+                </a:solidFill>
+                <a:effectLst/>
+                <a:latin typeface="PingFang SC"/>
+              </a:rPr>
+              <a:t>帽箍尺寸：分下列三个号码：</a:t>
+            </a:r>
+          </a:p>
+          <a:p>
+            <a:pPr lvl="1"/>
+            <a:r>
+              <a:rPr lang="zh-CN" altLang="en-US" sz="1400" b="0" i="0" dirty="0">
+                <a:solidFill>
+                  <a:srgbClr val="191919"/>
+                </a:solidFill>
+                <a:effectLst/>
+                <a:latin typeface="PingFang SC"/>
+              </a:rPr>
+              <a:t>小号：</a:t>
+            </a:r>
+            <a:r>
+              <a:rPr lang="en-US" altLang="zh-CN" sz="1400" b="0" i="0" dirty="0">
+                <a:solidFill>
+                  <a:srgbClr val="191919"/>
+                </a:solidFill>
+                <a:effectLst/>
+                <a:latin typeface="PingFang SC"/>
+              </a:rPr>
+              <a:t>51</a:t>
+            </a:r>
+            <a:r>
+              <a:rPr lang="zh-CN" altLang="en-US" sz="1400" b="0" i="0" dirty="0">
+                <a:solidFill>
+                  <a:srgbClr val="191919"/>
+                </a:solidFill>
+                <a:effectLst/>
+                <a:latin typeface="PingFang SC"/>
+              </a:rPr>
+              <a:t>－</a:t>
+            </a:r>
+            <a:r>
+              <a:rPr lang="en-US" altLang="zh-CN" sz="1400" b="0" i="0" dirty="0">
+                <a:solidFill>
+                  <a:srgbClr val="191919"/>
+                </a:solidFill>
+                <a:effectLst/>
+                <a:latin typeface="PingFang SC"/>
+              </a:rPr>
+              <a:t>56cm</a:t>
+            </a:r>
+          </a:p>
+          <a:p>
+            <a:pPr lvl="1"/>
+            <a:r>
+              <a:rPr lang="zh-CN" altLang="en-US" sz="1400" b="0" i="0" dirty="0">
+                <a:solidFill>
+                  <a:srgbClr val="191919"/>
+                </a:solidFill>
+                <a:effectLst/>
+                <a:latin typeface="PingFang SC"/>
+              </a:rPr>
+              <a:t>中号：</a:t>
+            </a:r>
+            <a:r>
+              <a:rPr lang="en-US" altLang="zh-CN" sz="1400" b="0" i="0" dirty="0">
+                <a:solidFill>
+                  <a:srgbClr val="191919"/>
+                </a:solidFill>
+                <a:effectLst/>
+                <a:latin typeface="PingFang SC"/>
+              </a:rPr>
+              <a:t>57</a:t>
+            </a:r>
+            <a:r>
+              <a:rPr lang="zh-CN" altLang="en-US" sz="1400" b="0" i="0" dirty="0">
+                <a:solidFill>
+                  <a:srgbClr val="191919"/>
+                </a:solidFill>
+                <a:effectLst/>
+                <a:latin typeface="PingFang SC"/>
+              </a:rPr>
+              <a:t>－</a:t>
+            </a:r>
+            <a:r>
+              <a:rPr lang="en-US" altLang="zh-CN" sz="1400" b="0" i="0" dirty="0">
+                <a:solidFill>
+                  <a:srgbClr val="191919"/>
+                </a:solidFill>
+                <a:effectLst/>
+                <a:latin typeface="PingFang SC"/>
+              </a:rPr>
+              <a:t>60cm</a:t>
+            </a:r>
+          </a:p>
+          <a:p>
+            <a:pPr lvl="1"/>
+            <a:r>
+              <a:rPr lang="zh-CN" altLang="en-US" sz="1400" b="0" i="0" dirty="0">
+                <a:solidFill>
+                  <a:srgbClr val="191919"/>
+                </a:solidFill>
+                <a:effectLst/>
+                <a:latin typeface="PingFang SC"/>
+              </a:rPr>
+              <a:t>大号：</a:t>
+            </a:r>
+            <a:r>
+              <a:rPr lang="en-US" altLang="zh-CN" sz="1400" b="0" i="0" dirty="0">
+                <a:solidFill>
+                  <a:srgbClr val="191919"/>
+                </a:solidFill>
+                <a:effectLst/>
+                <a:latin typeface="PingFang SC"/>
+              </a:rPr>
+              <a:t>61</a:t>
+            </a:r>
+            <a:r>
+              <a:rPr lang="zh-CN" altLang="en-US" sz="1400" b="0" i="0" dirty="0">
+                <a:solidFill>
+                  <a:srgbClr val="191919"/>
+                </a:solidFill>
+                <a:effectLst/>
+                <a:latin typeface="PingFang SC"/>
+              </a:rPr>
+              <a:t>－</a:t>
+            </a:r>
+            <a:r>
+              <a:rPr lang="en-US" altLang="zh-CN" sz="1400" b="0" i="0" dirty="0">
+                <a:solidFill>
+                  <a:srgbClr val="191919"/>
+                </a:solidFill>
+                <a:effectLst/>
+                <a:latin typeface="PingFang SC"/>
+              </a:rPr>
+              <a:t>64cm</a:t>
+            </a:r>
+          </a:p>
+          <a:p>
+            <a:pPr algn="l"/>
+            <a:r>
+              <a:rPr lang="zh-CN" altLang="en-US" sz="1600" b="0" i="0" dirty="0">
+                <a:solidFill>
+                  <a:srgbClr val="191919"/>
+                </a:solidFill>
+                <a:effectLst/>
+                <a:latin typeface="PingFang SC"/>
+              </a:rPr>
+              <a:t>重量：一顶完整的安全帽，重量应尽可能减轻，不应超过</a:t>
+            </a:r>
+            <a:r>
+              <a:rPr lang="en-US" altLang="zh-CN" sz="1600" b="0" i="0" dirty="0">
+                <a:solidFill>
+                  <a:srgbClr val="191919"/>
+                </a:solidFill>
+                <a:effectLst/>
+                <a:latin typeface="PingFang SC"/>
+              </a:rPr>
+              <a:t>400G</a:t>
+            </a:r>
+            <a:r>
+              <a:rPr lang="zh-CN" altLang="en-US" sz="1600" b="0" i="0" dirty="0">
+                <a:solidFill>
+                  <a:srgbClr val="191919"/>
+                </a:solidFill>
+                <a:effectLst/>
+                <a:latin typeface="PingFang SC"/>
+              </a:rPr>
+              <a:t>。</a:t>
+            </a:r>
+          </a:p>
+          <a:p>
+            <a:pPr algn="l"/>
+            <a:r>
+              <a:rPr lang="zh-CN" altLang="en-US" sz="1600" b="0" i="0" dirty="0">
+                <a:solidFill>
+                  <a:srgbClr val="191919"/>
+                </a:solidFill>
+                <a:effectLst/>
+                <a:latin typeface="PingFang SC"/>
+              </a:rPr>
+              <a:t>帽沿尺寸：最小</a:t>
+            </a:r>
+            <a:r>
+              <a:rPr lang="en-US" altLang="zh-CN" sz="1600" b="0" i="0" dirty="0">
+                <a:solidFill>
+                  <a:srgbClr val="191919"/>
+                </a:solidFill>
+                <a:effectLst/>
+                <a:latin typeface="PingFang SC"/>
+              </a:rPr>
+              <a:t>10mm</a:t>
+            </a:r>
+            <a:r>
+              <a:rPr lang="zh-CN" altLang="en-US" sz="1600" b="0" i="0" dirty="0">
+                <a:solidFill>
+                  <a:srgbClr val="191919"/>
+                </a:solidFill>
+                <a:effectLst/>
+                <a:latin typeface="PingFang SC"/>
+              </a:rPr>
+              <a:t>，最大</a:t>
+            </a:r>
+            <a:r>
+              <a:rPr lang="en-US" altLang="zh-CN" sz="1600" b="0" i="0" dirty="0">
+                <a:solidFill>
+                  <a:srgbClr val="191919"/>
+                </a:solidFill>
+                <a:effectLst/>
+                <a:latin typeface="PingFang SC"/>
+              </a:rPr>
+              <a:t>35mm</a:t>
+            </a:r>
+            <a:r>
+              <a:rPr lang="zh-CN" altLang="en-US" sz="1600" b="0" i="0" dirty="0">
+                <a:solidFill>
+                  <a:srgbClr val="191919"/>
+                </a:solidFill>
+                <a:effectLst/>
+                <a:latin typeface="PingFang SC"/>
+              </a:rPr>
+              <a:t>。帽沿倾斜度以</a:t>
+            </a:r>
+            <a:r>
+              <a:rPr lang="en-US" altLang="zh-CN" sz="1600" b="0" i="0" dirty="0">
+                <a:solidFill>
+                  <a:srgbClr val="191919"/>
+                </a:solidFill>
+                <a:effectLst/>
+                <a:latin typeface="PingFang SC"/>
+              </a:rPr>
+              <a:t>20°-60°</a:t>
+            </a:r>
+            <a:r>
+              <a:rPr lang="zh-CN" altLang="en-US" sz="1600" b="0" i="0" dirty="0">
+                <a:solidFill>
+                  <a:srgbClr val="191919"/>
+                </a:solidFill>
+                <a:effectLst/>
+                <a:latin typeface="PingFang SC"/>
+              </a:rPr>
+              <a:t>为宜。</a:t>
+            </a:r>
+          </a:p>
+          <a:p>
+            <a:pPr algn="l"/>
+            <a:r>
+              <a:rPr lang="zh-CN" altLang="en-US" sz="1600" b="0" i="0" dirty="0">
+                <a:solidFill>
+                  <a:srgbClr val="191919"/>
+                </a:solidFill>
+                <a:effectLst/>
+                <a:latin typeface="PingFang SC"/>
+              </a:rPr>
+              <a:t>通气孔：安全帽两侧可设通气孔。</a:t>
+            </a:r>
+          </a:p>
+          <a:p>
+            <a:pPr algn="l"/>
+            <a:r>
+              <a:rPr lang="zh-CN" altLang="en-US" sz="1600" b="0" i="0" dirty="0">
+                <a:solidFill>
+                  <a:srgbClr val="191919"/>
+                </a:solidFill>
+                <a:effectLst/>
+                <a:latin typeface="PingFang SC"/>
+              </a:rPr>
+              <a:t>帽舌：最小</a:t>
+            </a:r>
+            <a:r>
+              <a:rPr lang="en-US" altLang="zh-CN" sz="1600" b="0" i="0" dirty="0">
+                <a:solidFill>
+                  <a:srgbClr val="191919"/>
+                </a:solidFill>
+                <a:effectLst/>
+                <a:latin typeface="PingFang SC"/>
+              </a:rPr>
+              <a:t>10mm</a:t>
+            </a:r>
+            <a:r>
+              <a:rPr lang="zh-CN" altLang="en-US" sz="1600" b="0" i="0" dirty="0">
+                <a:solidFill>
+                  <a:srgbClr val="191919"/>
+                </a:solidFill>
+                <a:effectLst/>
+                <a:latin typeface="PingFang SC"/>
+              </a:rPr>
+              <a:t>，最大</a:t>
+            </a:r>
+            <a:r>
+              <a:rPr lang="en-US" altLang="zh-CN" sz="1600" b="0" i="0" dirty="0">
+                <a:solidFill>
+                  <a:srgbClr val="191919"/>
+                </a:solidFill>
+                <a:effectLst/>
+                <a:latin typeface="PingFang SC"/>
+              </a:rPr>
+              <a:t>55mm</a:t>
+            </a:r>
+            <a:r>
+              <a:rPr lang="zh-CN" altLang="en-US" sz="1600" b="0" i="0" dirty="0">
+                <a:solidFill>
+                  <a:srgbClr val="191919"/>
+                </a:solidFill>
+                <a:effectLst/>
+                <a:latin typeface="PingFang SC"/>
+              </a:rPr>
+              <a:t>。</a:t>
+            </a:r>
+          </a:p>
+          <a:p>
+            <a:pPr algn="l"/>
+            <a:r>
+              <a:rPr lang="zh-CN" altLang="en-US" sz="1600" b="0" i="0" dirty="0">
+                <a:solidFill>
+                  <a:srgbClr val="191919"/>
+                </a:solidFill>
+                <a:effectLst/>
+                <a:latin typeface="PingFang SC"/>
+              </a:rPr>
+              <a:t>颜色：安全帽的颜色一般以浅色或醒目的颜色为宜，如白色、浅黄色等。</a:t>
+            </a:r>
+          </a:p>
+        </p:txBody>
+      </p:sp>
+    </p:spTree>
+    <p:extLst>
+      <p:ext uri="{BB962C8B-B14F-4D97-AF65-F5344CB8AC3E}">
+        <p14:creationId xmlns:p14="http://schemas.microsoft.com/office/powerpoint/2010/main" val="1758982622"/>
+      </p:ext>
+    </p:extLst>
+  </p:cSld>
+  <p:clrMapOvr>
+    <a:masterClrMapping/>
+  </p:clrMapOvr>
+</p:sld>
+</file>
+
+<file path=ppt/slides/slide3.xml><?xml version="1.0" encoding="utf-8"?>
+<p:sld xmlns:a="http://schemas.openxmlformats.org/drawingml/2006/main" xmlns:r="http://schemas.openxmlformats.org/officeDocument/2006/relationships" xmlns:p="http://schemas.openxmlformats.org/presentationml/2006/main">
+  <p:cSld>
+    <p:spTree>
+      <p:nvGrpSpPr>
+        <p:cNvPr id="1" name=""/>
+        <p:cNvGrpSpPr/>
+        <p:nvPr/>
+      </p:nvGrpSpPr>
+      <p:grpSpPr>
+        <a:xfrm>
+          <a:off x="0" y="0"/>
+          <a:ext cx="0" cy="0"/>
+          <a:chOff x="0" y="0"/>
+          <a:chExt cx="0" cy="0"/>
+        </a:xfrm>
+      </p:grpSpPr>
+      <p:sp>
+        <p:nvSpPr>
+          <p:cNvPr id="2" name="标题 1">
+            <a:extLst>
+              <a:ext uri="{FF2B5EF4-FFF2-40B4-BE49-F238E27FC236}">
+                <a16:creationId xmlns:a16="http://schemas.microsoft.com/office/drawing/2014/main" id="{12071FE3-4D3C-2AAD-E2AA-286EF919F049}"/>
+              </a:ext>
+            </a:extLst>
+          </p:cNvPr>
+          <p:cNvSpPr>
+            <a:spLocks noGrp="1"/>
+          </p:cNvSpPr>
+          <p:nvPr>
+            <p:ph type="title"/>
+          </p:nvPr>
+        </p:nvSpPr>
+        <p:spPr/>
+        <p:txBody>
+          <a:bodyPr/>
+          <a:lstStyle/>
+          <a:p>
+            <a:r>
+              <a:rPr lang="zh-CN" altLang="en-US" dirty="0"/>
+              <a:t>市场产品调研 </a:t>
+            </a:r>
+            <a:r>
+              <a:rPr lang="en-US" altLang="zh-CN" dirty="0"/>
+              <a:t>– </a:t>
+            </a:r>
+            <a:r>
+              <a:rPr lang="zh-CN" altLang="en-US" dirty="0"/>
+              <a:t>智能头盔 </a:t>
+            </a:r>
+            <a:r>
+              <a:rPr lang="en-US" altLang="zh-CN" dirty="0"/>
+              <a:t>- </a:t>
+            </a:r>
+            <a:r>
+              <a:rPr lang="zh-CN" altLang="en-US" dirty="0"/>
+              <a:t>行业市场</a:t>
+            </a:r>
+          </a:p>
+        </p:txBody>
+      </p:sp>
+      <p:graphicFrame>
+        <p:nvGraphicFramePr>
+          <p:cNvPr id="4" name="表格 4">
+            <a:extLst>
+              <a:ext uri="{FF2B5EF4-FFF2-40B4-BE49-F238E27FC236}">
+                <a16:creationId xmlns:a16="http://schemas.microsoft.com/office/drawing/2014/main" id="{15302EAB-CCB0-26B5-2D4F-F545C262E093}"/>
+              </a:ext>
+            </a:extLst>
+          </p:cNvPr>
+          <p:cNvGraphicFramePr>
+            <a:graphicFrameLocks noGrp="1"/>
+          </p:cNvGraphicFramePr>
+          <p:nvPr>
+            <p:ph idx="1"/>
+            <p:extLst>
+              <p:ext uri="{D42A27DB-BD31-4B8C-83A1-F6EECF244321}">
+                <p14:modId xmlns:p14="http://schemas.microsoft.com/office/powerpoint/2010/main" val="199689991"/>
+              </p:ext>
+            </p:extLst>
+          </p:nvPr>
+        </p:nvGraphicFramePr>
+        <p:xfrm>
+          <a:off x="838200" y="1825625"/>
+          <a:ext cx="10515600" cy="3557612"/>
+        </p:xfrm>
+        <a:graphic>
+          <a:graphicData uri="http://schemas.openxmlformats.org/drawingml/2006/table">
+            <a:tbl>
+              <a:tblPr firstRow="1" bandRow="1">
+                <a:tableStyleId>{5C22544A-7EE6-4342-B048-85BDC9FD1C3A}</a:tableStyleId>
+              </a:tblPr>
+              <a:tblGrid>
+                <a:gridCol w="1074420">
+                  <a:extLst>
+                    <a:ext uri="{9D8B030D-6E8A-4147-A177-3AD203B41FA5}">
+                      <a16:colId xmlns:a16="http://schemas.microsoft.com/office/drawing/2014/main" val="2226116206"/>
+                    </a:ext>
+                  </a:extLst>
+                </a:gridCol>
+                <a:gridCol w="3309620">
+                  <a:extLst>
+                    <a:ext uri="{9D8B030D-6E8A-4147-A177-3AD203B41FA5}">
+                      <a16:colId xmlns:a16="http://schemas.microsoft.com/office/drawing/2014/main" val="704849759"/>
+                    </a:ext>
+                  </a:extLst>
+                </a:gridCol>
+                <a:gridCol w="1654048">
+                  <a:extLst>
+                    <a:ext uri="{9D8B030D-6E8A-4147-A177-3AD203B41FA5}">
+                      <a16:colId xmlns:a16="http://schemas.microsoft.com/office/drawing/2014/main" val="4266396178"/>
+                    </a:ext>
+                  </a:extLst>
+                </a:gridCol>
+                <a:gridCol w="2374392">
+                  <a:extLst>
+                    <a:ext uri="{9D8B030D-6E8A-4147-A177-3AD203B41FA5}">
+                      <a16:colId xmlns:a16="http://schemas.microsoft.com/office/drawing/2014/main" val="4050704148"/>
+                    </a:ext>
+                  </a:extLst>
+                </a:gridCol>
+                <a:gridCol w="2103120">
+                  <a:extLst>
+                    <a:ext uri="{9D8B030D-6E8A-4147-A177-3AD203B41FA5}">
+                      <a16:colId xmlns:a16="http://schemas.microsoft.com/office/drawing/2014/main" val="4062991859"/>
+                    </a:ext>
+                  </a:extLst>
+                </a:gridCol>
+              </a:tblGrid>
+              <a:tr h="370840">
+                <a:tc>
+                  <a:txBody>
+                    <a:bodyPr/>
+                    <a:lstStyle/>
+                    <a:p>
+                      <a:pPr algn="ctr"/>
+                      <a:endParaRPr lang="zh-CN" altLang="en-US" dirty="0"/>
+                    </a:p>
+                  </a:txBody>
+                  <a:tcPr/>
+                </a:tc>
+                <a:tc>
+                  <a:txBody>
+                    <a:bodyPr/>
+                    <a:lstStyle/>
+                    <a:p>
+                      <a:pPr algn="ctr"/>
+                      <a:r>
+                        <a:rPr lang="zh-CN" altLang="en-US" dirty="0"/>
+                        <a:t>产品简介</a:t>
+                      </a:r>
+                    </a:p>
+                  </a:txBody>
+                  <a:tcPr/>
+                </a:tc>
+                <a:tc>
+                  <a:txBody>
+                    <a:bodyPr/>
+                    <a:lstStyle/>
+                    <a:p>
+                      <a:pPr marL="0" marR="0" lvl="0" indent="0" algn="ctr" defTabSz="914400" rtl="0" eaLnBrk="1" fontAlgn="auto" latinLnBrk="0" hangingPunct="1">
+                        <a:lnSpc>
+                          <a:spcPct val="100000"/>
+                        </a:lnSpc>
+                        <a:spcBef>
+                          <a:spcPts val="0"/>
+                        </a:spcBef>
+                        <a:spcAft>
+                          <a:spcPts val="0"/>
+                        </a:spcAft>
+                        <a:buClrTx/>
+                        <a:buSzTx/>
+                        <a:buFontTx/>
+                        <a:buNone/>
+                        <a:tabLst/>
+                        <a:defRPr/>
+                      </a:pPr>
+                      <a:r>
+                        <a:rPr lang="zh-CN" altLang="en-US" dirty="0"/>
+                        <a:t>产品上市时间</a:t>
+                      </a:r>
+                    </a:p>
+                  </a:txBody>
+                  <a:tcPr/>
+                </a:tc>
+                <a:tc>
+                  <a:txBody>
+                    <a:bodyPr/>
+                    <a:lstStyle/>
+                    <a:p>
+                      <a:pPr algn="ctr"/>
+                      <a:r>
+                        <a:rPr lang="zh-CN" altLang="en-US" dirty="0"/>
+                        <a:t>主要功能</a:t>
+                      </a:r>
+                    </a:p>
+                  </a:txBody>
+                  <a:tcPr/>
+                </a:tc>
+                <a:tc>
+                  <a:txBody>
+                    <a:bodyPr/>
+                    <a:lstStyle/>
+                    <a:p>
+                      <a:pPr algn="ctr"/>
+                      <a:endParaRPr lang="zh-CN" altLang="en-US" dirty="0"/>
+                    </a:p>
+                  </a:txBody>
+                  <a:tcPr/>
+                </a:tc>
+                <a:extLst>
+                  <a:ext uri="{0D108BD9-81ED-4DB2-BD59-A6C34878D82A}">
+                    <a16:rowId xmlns:a16="http://schemas.microsoft.com/office/drawing/2014/main" val="2347048756"/>
+                  </a:ext>
+                </a:extLst>
+              </a:tr>
+              <a:tr h="1703412">
+                <a:tc>
+                  <a:txBody>
+                    <a:bodyPr/>
+                    <a:lstStyle/>
+                    <a:p>
+                      <a:r>
+                        <a:rPr lang="zh-CN" altLang="en-US" dirty="0"/>
+                        <a:t>饿了么</a:t>
+                      </a:r>
+                    </a:p>
+                  </a:txBody>
+                  <a:tcPr/>
+                </a:tc>
+                <a:tc>
+                  <a:txBody>
+                    <a:bodyPr/>
+                    <a:lstStyle/>
+                    <a:p>
+                      <a:endParaRPr lang="zh-CN" altLang="en-US" dirty="0"/>
+                    </a:p>
+                  </a:txBody>
+                  <a:tcPr/>
+                </a:tc>
+                <a:tc>
+                  <a:txBody>
+                    <a:bodyPr/>
+                    <a:lstStyle/>
+                    <a:p>
+                      <a:r>
+                        <a:rPr lang="en-US" altLang="zh-CN" dirty="0"/>
+                        <a:t>2022</a:t>
+                      </a:r>
+                      <a:r>
+                        <a:rPr lang="zh-CN" altLang="en-US" dirty="0"/>
+                        <a:t>年</a:t>
+                      </a:r>
+                      <a:r>
+                        <a:rPr lang="en-US" altLang="zh-CN" dirty="0"/>
+                        <a:t>1</a:t>
+                      </a:r>
+                      <a:r>
+                        <a:rPr lang="zh-CN" altLang="en-US" dirty="0"/>
+                        <a:t>月</a:t>
+                      </a:r>
+                    </a:p>
+                  </a:txBody>
+                  <a:tcPr/>
+                </a:tc>
+                <a:tc>
+                  <a:txBody>
+                    <a:bodyPr/>
+                    <a:lstStyle/>
+                    <a:p>
+                      <a:r>
+                        <a:rPr lang="zh-CN" altLang="en-US" sz="1800" b="0" i="0" kern="1200" dirty="0">
+                          <a:solidFill>
+                            <a:schemeClr val="dk1"/>
+                          </a:solidFill>
+                          <a:effectLst/>
+                          <a:latin typeface="+mn-lt"/>
+                          <a:ea typeface="+mn-ea"/>
+                          <a:cs typeface="+mn-cs"/>
+                        </a:rPr>
+                        <a:t>语音控制、智能外呼、自动警示灯，佩戴识别、碰撞检测、</a:t>
+                      </a:r>
+                      <a:r>
+                        <a:rPr lang="zh-CN" altLang="en-US" sz="1800" b="0" i="0" kern="1200" dirty="0">
+                          <a:solidFill>
+                            <a:srgbClr val="FF0000"/>
+                          </a:solidFill>
+                          <a:effectLst/>
+                          <a:latin typeface="+mn-lt"/>
+                          <a:ea typeface="+mn-ea"/>
+                          <a:cs typeface="+mn-cs"/>
+                        </a:rPr>
+                        <a:t>自动接打电话</a:t>
+                      </a:r>
+                      <a:endParaRPr lang="zh-CN" altLang="en-US" dirty="0">
+                        <a:solidFill>
+                          <a:srgbClr val="FF0000"/>
+                        </a:solidFill>
+                      </a:endParaRPr>
+                    </a:p>
+                  </a:txBody>
+                  <a:tcPr/>
+                </a:tc>
+                <a:tc>
+                  <a:txBody>
+                    <a:bodyPr/>
+                    <a:lstStyle/>
+                    <a:p>
+                      <a:endParaRPr lang="zh-CN" altLang="en-US"/>
+                    </a:p>
+                  </a:txBody>
+                  <a:tcPr/>
+                </a:tc>
+                <a:extLst>
+                  <a:ext uri="{0D108BD9-81ED-4DB2-BD59-A6C34878D82A}">
+                    <a16:rowId xmlns:a16="http://schemas.microsoft.com/office/drawing/2014/main" val="3547736094"/>
+                  </a:ext>
+                </a:extLst>
+              </a:tr>
+              <a:tr h="370840">
+                <a:tc>
+                  <a:txBody>
+                    <a:bodyPr/>
+                    <a:lstStyle/>
+                    <a:p>
+                      <a:r>
+                        <a:rPr lang="zh-CN" altLang="en-US" dirty="0"/>
+                        <a:t>美团</a:t>
+                      </a:r>
+                    </a:p>
+                  </a:txBody>
+                  <a:tcPr/>
+                </a:tc>
+                <a:tc>
+                  <a:txBody>
+                    <a:bodyPr/>
+                    <a:lstStyle/>
+                    <a:p>
+                      <a:endParaRPr lang="zh-CN" altLang="en-US"/>
+                    </a:p>
+                  </a:txBody>
+                  <a:tcPr/>
+                </a:tc>
+                <a:tc>
+                  <a:txBody>
+                    <a:bodyPr/>
+                    <a:lstStyle/>
+                    <a:p>
+                      <a:endParaRPr lang="zh-CN" altLang="en-US"/>
+                    </a:p>
+                  </a:txBody>
+                  <a:tcPr/>
+                </a:tc>
+                <a:tc>
+                  <a:txBody>
+                    <a:bodyPr/>
+                    <a:lstStyle/>
+                    <a:p>
+                      <a:endParaRPr lang="zh-CN" altLang="en-US" dirty="0"/>
+                    </a:p>
+                  </a:txBody>
+                  <a:tcPr/>
+                </a:tc>
+                <a:tc>
+                  <a:txBody>
+                    <a:bodyPr/>
+                    <a:lstStyle/>
+                    <a:p>
+                      <a:endParaRPr lang="zh-CN" altLang="en-US"/>
+                    </a:p>
+                  </a:txBody>
+                  <a:tcPr/>
+                </a:tc>
+                <a:extLst>
+                  <a:ext uri="{0D108BD9-81ED-4DB2-BD59-A6C34878D82A}">
+                    <a16:rowId xmlns:a16="http://schemas.microsoft.com/office/drawing/2014/main" val="4075767219"/>
+                  </a:ext>
+                </a:extLst>
+              </a:tr>
+              <a:tr h="370840">
+                <a:tc>
+                  <a:txBody>
+                    <a:bodyPr/>
+                    <a:lstStyle/>
+                    <a:p>
+                      <a:r>
+                        <a:rPr lang="zh-CN" altLang="en-US" dirty="0"/>
+                        <a:t>顺丰</a:t>
+                      </a:r>
+                    </a:p>
+                  </a:txBody>
+                  <a:tcPr/>
+                </a:tc>
+                <a:tc>
+                  <a:txBody>
+                    <a:bodyPr/>
+                    <a:lstStyle/>
+                    <a:p>
+                      <a:endParaRPr lang="zh-CN" altLang="en-US"/>
+                    </a:p>
+                  </a:txBody>
+                  <a:tcPr/>
+                </a:tc>
+                <a:tc>
+                  <a:txBody>
+                    <a:bodyPr/>
+                    <a:lstStyle/>
+                    <a:p>
+                      <a:endParaRPr lang="zh-CN" altLang="en-US"/>
+                    </a:p>
+                  </a:txBody>
+                  <a:tcPr/>
+                </a:tc>
+                <a:tc>
+                  <a:txBody>
+                    <a:bodyPr/>
+                    <a:lstStyle/>
+                    <a:p>
+                      <a:endParaRPr lang="zh-CN" altLang="en-US"/>
+                    </a:p>
+                  </a:txBody>
+                  <a:tcPr/>
+                </a:tc>
+                <a:tc>
+                  <a:txBody>
+                    <a:bodyPr/>
+                    <a:lstStyle/>
+                    <a:p>
+                      <a:endParaRPr lang="zh-CN" altLang="en-US"/>
+                    </a:p>
+                  </a:txBody>
+                  <a:tcPr/>
+                </a:tc>
+                <a:extLst>
+                  <a:ext uri="{0D108BD9-81ED-4DB2-BD59-A6C34878D82A}">
+                    <a16:rowId xmlns:a16="http://schemas.microsoft.com/office/drawing/2014/main" val="1757411061"/>
+                  </a:ext>
+                </a:extLst>
+              </a:tr>
+              <a:tr h="370840">
+                <a:tc>
+                  <a:txBody>
+                    <a:bodyPr/>
+                    <a:lstStyle/>
+                    <a:p>
+                      <a:endParaRPr lang="zh-CN" altLang="en-US" dirty="0"/>
+                    </a:p>
+                  </a:txBody>
+                  <a:tcPr/>
+                </a:tc>
+                <a:tc>
+                  <a:txBody>
+                    <a:bodyPr/>
+                    <a:lstStyle/>
+                    <a:p>
+                      <a:endParaRPr lang="zh-CN" altLang="en-US"/>
+                    </a:p>
+                  </a:txBody>
+                  <a:tcPr/>
+                </a:tc>
+                <a:tc>
+                  <a:txBody>
+                    <a:bodyPr/>
+                    <a:lstStyle/>
+                    <a:p>
+                      <a:endParaRPr lang="zh-CN" altLang="en-US"/>
+                    </a:p>
+                  </a:txBody>
+                  <a:tcPr/>
+                </a:tc>
+                <a:tc>
+                  <a:txBody>
+                    <a:bodyPr/>
+                    <a:lstStyle/>
+                    <a:p>
+                      <a:endParaRPr lang="zh-CN" altLang="en-US"/>
+                    </a:p>
+                  </a:txBody>
+                  <a:tcPr/>
+                </a:tc>
+                <a:tc>
+                  <a:txBody>
+                    <a:bodyPr/>
+                    <a:lstStyle/>
+                    <a:p>
+                      <a:endParaRPr lang="zh-CN" altLang="en-US"/>
+                    </a:p>
+                  </a:txBody>
+                  <a:tcPr/>
+                </a:tc>
+                <a:extLst>
+                  <a:ext uri="{0D108BD9-81ED-4DB2-BD59-A6C34878D82A}">
+                    <a16:rowId xmlns:a16="http://schemas.microsoft.com/office/drawing/2014/main" val="1104808748"/>
+                  </a:ext>
+                </a:extLst>
+              </a:tr>
+              <a:tr h="370840">
+                <a:tc>
+                  <a:txBody>
+                    <a:bodyPr/>
+                    <a:lstStyle/>
+                    <a:p>
+                      <a:endParaRPr lang="zh-CN" altLang="en-US"/>
+                    </a:p>
+                  </a:txBody>
+                  <a:tcPr/>
+                </a:tc>
+                <a:tc>
+                  <a:txBody>
+                    <a:bodyPr/>
+                    <a:lstStyle/>
+                    <a:p>
+                      <a:endParaRPr lang="zh-CN" altLang="en-US"/>
+                    </a:p>
+                  </a:txBody>
+                  <a:tcPr/>
+                </a:tc>
+                <a:tc>
+                  <a:txBody>
+                    <a:bodyPr/>
+                    <a:lstStyle/>
+                    <a:p>
+                      <a:endParaRPr lang="zh-CN" altLang="en-US"/>
+                    </a:p>
+                  </a:txBody>
+                  <a:tcPr/>
+                </a:tc>
+                <a:tc>
+                  <a:txBody>
+                    <a:bodyPr/>
+                    <a:lstStyle/>
+                    <a:p>
+                      <a:endParaRPr lang="zh-CN" altLang="en-US"/>
+                    </a:p>
+                  </a:txBody>
+                  <a:tcPr/>
+                </a:tc>
+                <a:tc>
+                  <a:txBody>
+                    <a:bodyPr/>
+                    <a:lstStyle/>
+                    <a:p>
+                      <a:endParaRPr lang="zh-CN" altLang="en-US" dirty="0"/>
+                    </a:p>
+                  </a:txBody>
+                  <a:tcPr/>
+                </a:tc>
+                <a:extLst>
+                  <a:ext uri="{0D108BD9-81ED-4DB2-BD59-A6C34878D82A}">
+                    <a16:rowId xmlns:a16="http://schemas.microsoft.com/office/drawing/2014/main" val="3385831501"/>
+                  </a:ext>
+                </a:extLst>
+              </a:tr>
+            </a:tbl>
+          </a:graphicData>
+        </a:graphic>
+      </p:graphicFrame>
+      <p:pic>
+        <p:nvPicPr>
+          <p:cNvPr id="6" name="图片 5">
+            <a:extLst>
+              <a:ext uri="{FF2B5EF4-FFF2-40B4-BE49-F238E27FC236}">
+                <a16:creationId xmlns:a16="http://schemas.microsoft.com/office/drawing/2014/main" id="{23D1CDF7-E9BC-2B6D-4D6C-B68CC7B8A313}"/>
+              </a:ext>
+            </a:extLst>
+          </p:cNvPr>
+          <p:cNvPicPr>
+            <a:picLocks noChangeAspect="1"/>
+          </p:cNvPicPr>
+          <p:nvPr/>
+        </p:nvPicPr>
+        <p:blipFill>
+          <a:blip r:embed="rId2"/>
+          <a:stretch>
+            <a:fillRect/>
+          </a:stretch>
+        </p:blipFill>
+        <p:spPr>
+          <a:xfrm>
+            <a:off x="2039603" y="2226529"/>
+            <a:ext cx="1658581" cy="1202471"/>
+          </a:xfrm>
+          <a:prstGeom prst="rect">
+            <a:avLst/>
+          </a:prstGeom>
+        </p:spPr>
+      </p:pic>
+      <p:pic>
+        <p:nvPicPr>
+          <p:cNvPr id="8" name="图片 7">
+            <a:extLst>
+              <a:ext uri="{FF2B5EF4-FFF2-40B4-BE49-F238E27FC236}">
+                <a16:creationId xmlns:a16="http://schemas.microsoft.com/office/drawing/2014/main" id="{6DCBC29D-70B6-C36D-BD75-14751A7B871E}"/>
+              </a:ext>
+            </a:extLst>
+          </p:cNvPr>
+          <p:cNvPicPr>
+            <a:picLocks noChangeAspect="1"/>
+          </p:cNvPicPr>
+          <p:nvPr/>
+        </p:nvPicPr>
+        <p:blipFill>
+          <a:blip r:embed="rId3"/>
+          <a:stretch>
+            <a:fillRect/>
+          </a:stretch>
+        </p:blipFill>
+        <p:spPr>
+          <a:xfrm>
+            <a:off x="3703264" y="2226529"/>
+            <a:ext cx="1485679" cy="1202471"/>
+          </a:xfrm>
+          <a:prstGeom prst="rect">
+            <a:avLst/>
+          </a:prstGeom>
+        </p:spPr>
+      </p:pic>
+    </p:spTree>
+    <p:extLst>
+      <p:ext uri="{BB962C8B-B14F-4D97-AF65-F5344CB8AC3E}">
+        <p14:creationId xmlns:p14="http://schemas.microsoft.com/office/powerpoint/2010/main" val="2721582496"/>
+      </p:ext>
+    </p:extLst>
+  </p:cSld>
+  <p:clrMapOvr>
+    <a:masterClrMapping/>
+  </p:clrMapOvr>
+</p:sld>
+</file>
+
+<file path=ppt/slides/slide4.xml><?xml version="1.0" encoding="utf-8"?>
+<p:sld xmlns:a="http://schemas.openxmlformats.org/drawingml/2006/main" xmlns:r="http://schemas.openxmlformats.org/officeDocument/2006/relationships" xmlns:p="http://schemas.openxmlformats.org/presentationml/2006/main">
+  <p:cSld>
+    <p:spTree>
+      <p:nvGrpSpPr>
+        <p:cNvPr id="1" name=""/>
+        <p:cNvGrpSpPr/>
+        <p:nvPr/>
+      </p:nvGrpSpPr>
+      <p:grpSpPr>
+        <a:xfrm>
+          <a:off x="0" y="0"/>
+          <a:ext cx="0" cy="0"/>
+          <a:chOff x="0" y="0"/>
+          <a:chExt cx="0" cy="0"/>
+        </a:xfrm>
+      </p:grpSpPr>
+      <p:sp>
+        <p:nvSpPr>
+          <p:cNvPr id="2" name="标题 1">
+            <a:extLst>
+              <a:ext uri="{FF2B5EF4-FFF2-40B4-BE49-F238E27FC236}">
+                <a16:creationId xmlns:a16="http://schemas.microsoft.com/office/drawing/2014/main" id="{12071FE3-4D3C-2AAD-E2AA-286EF919F049}"/>
+              </a:ext>
+            </a:extLst>
+          </p:cNvPr>
+          <p:cNvSpPr>
+            <a:spLocks noGrp="1"/>
+          </p:cNvSpPr>
+          <p:nvPr>
+            <p:ph type="title"/>
+          </p:nvPr>
+        </p:nvSpPr>
+        <p:spPr/>
+        <p:txBody>
+          <a:bodyPr/>
+          <a:lstStyle/>
+          <a:p>
+            <a:r>
+              <a:rPr lang="zh-CN" altLang="en-US" dirty="0"/>
+              <a:t>市场产品调研 </a:t>
+            </a:r>
+            <a:r>
+              <a:rPr lang="en-US" altLang="zh-CN" dirty="0"/>
+              <a:t>– </a:t>
+            </a:r>
+            <a:r>
+              <a:rPr lang="zh-CN" altLang="en-US" dirty="0"/>
+              <a:t>智能头盔 </a:t>
+            </a:r>
+            <a:r>
+              <a:rPr lang="en-US" altLang="zh-CN" dirty="0"/>
+              <a:t>– </a:t>
+            </a:r>
+            <a:r>
+              <a:rPr lang="zh-CN" altLang="en-US" dirty="0"/>
+              <a:t>民用市场</a:t>
+            </a:r>
+          </a:p>
+        </p:txBody>
+      </p:sp>
+      <p:graphicFrame>
+        <p:nvGraphicFramePr>
+          <p:cNvPr id="4" name="表格 4">
+            <a:extLst>
+              <a:ext uri="{FF2B5EF4-FFF2-40B4-BE49-F238E27FC236}">
+                <a16:creationId xmlns:a16="http://schemas.microsoft.com/office/drawing/2014/main" id="{15302EAB-CCB0-26B5-2D4F-F545C262E093}"/>
+              </a:ext>
+            </a:extLst>
+          </p:cNvPr>
+          <p:cNvGraphicFramePr>
+            <a:graphicFrameLocks noGrp="1"/>
+          </p:cNvGraphicFramePr>
+          <p:nvPr>
+            <p:ph idx="1"/>
+            <p:extLst>
+              <p:ext uri="{D42A27DB-BD31-4B8C-83A1-F6EECF244321}">
+                <p14:modId xmlns:p14="http://schemas.microsoft.com/office/powerpoint/2010/main" val="3166504532"/>
+              </p:ext>
+            </p:extLst>
+          </p:nvPr>
+        </p:nvGraphicFramePr>
+        <p:xfrm>
+          <a:off x="838200" y="1825625"/>
+          <a:ext cx="10515600" cy="2271395"/>
+        </p:xfrm>
+        <a:graphic>
+          <a:graphicData uri="http://schemas.openxmlformats.org/drawingml/2006/table">
+            <a:tbl>
+              <a:tblPr firstRow="1" bandRow="1">
+                <a:tableStyleId>{5C22544A-7EE6-4342-B048-85BDC9FD1C3A}</a:tableStyleId>
+              </a:tblPr>
+              <a:tblGrid>
+                <a:gridCol w="1074420">
+                  <a:extLst>
+                    <a:ext uri="{9D8B030D-6E8A-4147-A177-3AD203B41FA5}">
+                      <a16:colId xmlns:a16="http://schemas.microsoft.com/office/drawing/2014/main" val="2226116206"/>
+                    </a:ext>
+                  </a:extLst>
+                </a:gridCol>
+                <a:gridCol w="3309620">
+                  <a:extLst>
+                    <a:ext uri="{9D8B030D-6E8A-4147-A177-3AD203B41FA5}">
+                      <a16:colId xmlns:a16="http://schemas.microsoft.com/office/drawing/2014/main" val="704849759"/>
+                    </a:ext>
+                  </a:extLst>
+                </a:gridCol>
+                <a:gridCol w="1654048">
+                  <a:extLst>
+                    <a:ext uri="{9D8B030D-6E8A-4147-A177-3AD203B41FA5}">
+                      <a16:colId xmlns:a16="http://schemas.microsoft.com/office/drawing/2014/main" val="4266396178"/>
+                    </a:ext>
+                  </a:extLst>
+                </a:gridCol>
+                <a:gridCol w="2374392">
+                  <a:extLst>
+                    <a:ext uri="{9D8B030D-6E8A-4147-A177-3AD203B41FA5}">
+                      <a16:colId xmlns:a16="http://schemas.microsoft.com/office/drawing/2014/main" val="4050704148"/>
+                    </a:ext>
+                  </a:extLst>
+                </a:gridCol>
+                <a:gridCol w="2103120">
+                  <a:extLst>
+                    <a:ext uri="{9D8B030D-6E8A-4147-A177-3AD203B41FA5}">
+                      <a16:colId xmlns:a16="http://schemas.microsoft.com/office/drawing/2014/main" val="4062991859"/>
+                    </a:ext>
+                  </a:extLst>
+                </a:gridCol>
+              </a:tblGrid>
+              <a:tr h="370840">
+                <a:tc>
+                  <a:txBody>
+                    <a:bodyPr/>
+                    <a:lstStyle/>
+                    <a:p>
+                      <a:pPr algn="ctr"/>
+                      <a:endParaRPr lang="zh-CN" altLang="en-US" dirty="0"/>
+                    </a:p>
+                  </a:txBody>
+                  <a:tcPr/>
+                </a:tc>
+                <a:tc>
+                  <a:txBody>
+                    <a:bodyPr/>
+                    <a:lstStyle/>
+                    <a:p>
+                      <a:pPr algn="ctr"/>
+                      <a:r>
+                        <a:rPr lang="zh-CN" altLang="en-US" dirty="0"/>
+                        <a:t>产品简介</a:t>
+                      </a:r>
+                    </a:p>
+                  </a:txBody>
+                  <a:tcPr/>
+                </a:tc>
+                <a:tc>
+                  <a:txBody>
+                    <a:bodyPr/>
+                    <a:lstStyle/>
+                    <a:p>
+                      <a:pPr marL="0" marR="0" lvl="0" indent="0" algn="ctr" defTabSz="914400" rtl="0" eaLnBrk="1" fontAlgn="auto" latinLnBrk="0" hangingPunct="1">
+                        <a:lnSpc>
+                          <a:spcPct val="100000"/>
+                        </a:lnSpc>
+                        <a:spcBef>
+                          <a:spcPts val="0"/>
+                        </a:spcBef>
+                        <a:spcAft>
+                          <a:spcPts val="0"/>
+                        </a:spcAft>
+                        <a:buClrTx/>
+                        <a:buSzTx/>
+                        <a:buFontTx/>
+                        <a:buNone/>
+                        <a:tabLst/>
+                        <a:defRPr/>
+                      </a:pPr>
+                      <a:r>
+                        <a:rPr lang="zh-CN" altLang="en-US" dirty="0"/>
+                        <a:t>产品上市时间</a:t>
+                      </a:r>
+                    </a:p>
+                  </a:txBody>
+                  <a:tcPr/>
+                </a:tc>
+                <a:tc>
+                  <a:txBody>
+                    <a:bodyPr/>
+                    <a:lstStyle/>
+                    <a:p>
+                      <a:pPr algn="ctr"/>
+                      <a:r>
+                        <a:rPr lang="zh-CN" altLang="en-US" dirty="0"/>
+                        <a:t>主要功能</a:t>
+                      </a:r>
+                    </a:p>
+                  </a:txBody>
+                  <a:tcPr/>
+                </a:tc>
+                <a:tc>
+                  <a:txBody>
+                    <a:bodyPr/>
+                    <a:lstStyle/>
+                    <a:p>
+                      <a:pPr algn="ctr"/>
+                      <a:endParaRPr lang="zh-CN" altLang="en-US" dirty="0"/>
+                    </a:p>
+                  </a:txBody>
+                  <a:tcPr/>
+                </a:tc>
+                <a:extLst>
+                  <a:ext uri="{0D108BD9-81ED-4DB2-BD59-A6C34878D82A}">
+                    <a16:rowId xmlns:a16="http://schemas.microsoft.com/office/drawing/2014/main" val="2347048756"/>
+                  </a:ext>
+                </a:extLst>
+              </a:tr>
+              <a:tr h="417195">
+                <a:tc>
+                  <a:txBody>
+                    <a:bodyPr/>
+                    <a:lstStyle/>
+                    <a:p>
+                      <a:r>
+                        <a:rPr lang="zh-CN" altLang="en-US" dirty="0"/>
+                        <a:t>骑行</a:t>
+                      </a:r>
+                    </a:p>
+                  </a:txBody>
+                  <a:tcPr/>
+                </a:tc>
+                <a:tc>
+                  <a:txBody>
+                    <a:bodyPr/>
+                    <a:lstStyle/>
+                    <a:p>
+                      <a:endParaRPr lang="zh-CN" altLang="en-US" dirty="0"/>
+                    </a:p>
+                  </a:txBody>
+                  <a:tcPr/>
+                </a:tc>
+                <a:tc>
+                  <a:txBody>
+                    <a:bodyPr/>
+                    <a:lstStyle/>
+                    <a:p>
+                      <a:endParaRPr lang="zh-CN" altLang="en-US" dirty="0"/>
+                    </a:p>
+                  </a:txBody>
+                  <a:tcPr/>
+                </a:tc>
+                <a:tc>
+                  <a:txBody>
+                    <a:bodyPr/>
+                    <a:lstStyle/>
+                    <a:p>
+                      <a:endParaRPr lang="zh-CN" altLang="en-US" dirty="0">
+                        <a:solidFill>
+                          <a:srgbClr val="FF0000"/>
+                        </a:solidFill>
+                      </a:endParaRPr>
+                    </a:p>
+                  </a:txBody>
+                  <a:tcPr/>
+                </a:tc>
+                <a:tc>
+                  <a:txBody>
+                    <a:bodyPr/>
+                    <a:lstStyle/>
+                    <a:p>
+                      <a:endParaRPr lang="zh-CN" altLang="en-US"/>
+                    </a:p>
+                  </a:txBody>
+                  <a:tcPr/>
+                </a:tc>
+                <a:extLst>
+                  <a:ext uri="{0D108BD9-81ED-4DB2-BD59-A6C34878D82A}">
+                    <a16:rowId xmlns:a16="http://schemas.microsoft.com/office/drawing/2014/main" val="3547736094"/>
+                  </a:ext>
+                </a:extLst>
+              </a:tr>
+              <a:tr h="370840">
+                <a:tc>
+                  <a:txBody>
+                    <a:bodyPr/>
+                    <a:lstStyle/>
+                    <a:p>
+                      <a:endParaRPr lang="zh-CN" altLang="en-US"/>
+                    </a:p>
+                  </a:txBody>
+                  <a:tcPr/>
+                </a:tc>
+                <a:tc>
+                  <a:txBody>
+                    <a:bodyPr/>
+                    <a:lstStyle/>
+                    <a:p>
+                      <a:endParaRPr lang="zh-CN" altLang="en-US"/>
+                    </a:p>
+                  </a:txBody>
+                  <a:tcPr/>
+                </a:tc>
+                <a:tc>
+                  <a:txBody>
+                    <a:bodyPr/>
+                    <a:lstStyle/>
+                    <a:p>
+                      <a:endParaRPr lang="zh-CN" altLang="en-US"/>
+                    </a:p>
+                  </a:txBody>
+                  <a:tcPr/>
+                </a:tc>
+                <a:tc>
+                  <a:txBody>
+                    <a:bodyPr/>
+                    <a:lstStyle/>
+                    <a:p>
+                      <a:endParaRPr lang="zh-CN" altLang="en-US" dirty="0"/>
+                    </a:p>
+                  </a:txBody>
+                  <a:tcPr/>
+                </a:tc>
+                <a:tc>
+                  <a:txBody>
+                    <a:bodyPr/>
+                    <a:lstStyle/>
+                    <a:p>
+                      <a:endParaRPr lang="zh-CN" altLang="en-US"/>
+                    </a:p>
+                  </a:txBody>
+                  <a:tcPr/>
+                </a:tc>
+                <a:extLst>
+                  <a:ext uri="{0D108BD9-81ED-4DB2-BD59-A6C34878D82A}">
+                    <a16:rowId xmlns:a16="http://schemas.microsoft.com/office/drawing/2014/main" val="4075767219"/>
+                  </a:ext>
+                </a:extLst>
+              </a:tr>
+              <a:tr h="370840">
+                <a:tc>
+                  <a:txBody>
+                    <a:bodyPr/>
+                    <a:lstStyle/>
+                    <a:p>
+                      <a:endParaRPr lang="zh-CN" altLang="en-US"/>
+                    </a:p>
+                  </a:txBody>
+                  <a:tcPr/>
+                </a:tc>
+                <a:tc>
+                  <a:txBody>
+                    <a:bodyPr/>
+                    <a:lstStyle/>
+                    <a:p>
+                      <a:endParaRPr lang="zh-CN" altLang="en-US"/>
+                    </a:p>
+                  </a:txBody>
+                  <a:tcPr/>
+                </a:tc>
+                <a:tc>
+                  <a:txBody>
+                    <a:bodyPr/>
+                    <a:lstStyle/>
+                    <a:p>
+                      <a:endParaRPr lang="zh-CN" altLang="en-US"/>
+                    </a:p>
+                  </a:txBody>
+                  <a:tcPr/>
+                </a:tc>
+                <a:tc>
+                  <a:txBody>
+                    <a:bodyPr/>
+                    <a:lstStyle/>
+                    <a:p>
+                      <a:endParaRPr lang="zh-CN" altLang="en-US"/>
+                    </a:p>
+                  </a:txBody>
+                  <a:tcPr/>
+                </a:tc>
+                <a:tc>
+                  <a:txBody>
+                    <a:bodyPr/>
+                    <a:lstStyle/>
+                    <a:p>
+                      <a:endParaRPr lang="zh-CN" altLang="en-US"/>
+                    </a:p>
+                  </a:txBody>
+                  <a:tcPr/>
+                </a:tc>
+                <a:extLst>
+                  <a:ext uri="{0D108BD9-81ED-4DB2-BD59-A6C34878D82A}">
+                    <a16:rowId xmlns:a16="http://schemas.microsoft.com/office/drawing/2014/main" val="1757411061"/>
+                  </a:ext>
+                </a:extLst>
+              </a:tr>
+              <a:tr h="370840">
+                <a:tc>
+                  <a:txBody>
+                    <a:bodyPr/>
+                    <a:lstStyle/>
+                    <a:p>
+                      <a:endParaRPr lang="zh-CN" altLang="en-US"/>
+                    </a:p>
+                  </a:txBody>
+                  <a:tcPr/>
+                </a:tc>
+                <a:tc>
+                  <a:txBody>
+                    <a:bodyPr/>
+                    <a:lstStyle/>
+                    <a:p>
+                      <a:endParaRPr lang="zh-CN" altLang="en-US"/>
+                    </a:p>
+                  </a:txBody>
+                  <a:tcPr/>
+                </a:tc>
+                <a:tc>
+                  <a:txBody>
+                    <a:bodyPr/>
+                    <a:lstStyle/>
+                    <a:p>
+                      <a:endParaRPr lang="zh-CN" altLang="en-US"/>
+                    </a:p>
+                  </a:txBody>
+                  <a:tcPr/>
+                </a:tc>
+                <a:tc>
+                  <a:txBody>
+                    <a:bodyPr/>
+                    <a:lstStyle/>
+                    <a:p>
+                      <a:endParaRPr lang="zh-CN" altLang="en-US"/>
+                    </a:p>
+                  </a:txBody>
+                  <a:tcPr/>
+                </a:tc>
+                <a:tc>
+                  <a:txBody>
+                    <a:bodyPr/>
+                    <a:lstStyle/>
+                    <a:p>
+                      <a:endParaRPr lang="zh-CN" altLang="en-US"/>
+                    </a:p>
+                  </a:txBody>
+                  <a:tcPr/>
+                </a:tc>
+                <a:extLst>
+                  <a:ext uri="{0D108BD9-81ED-4DB2-BD59-A6C34878D82A}">
+                    <a16:rowId xmlns:a16="http://schemas.microsoft.com/office/drawing/2014/main" val="1104808748"/>
+                  </a:ext>
+                </a:extLst>
+              </a:tr>
+              <a:tr h="370840">
+                <a:tc>
+                  <a:txBody>
+                    <a:bodyPr/>
+                    <a:lstStyle/>
+                    <a:p>
+                      <a:endParaRPr lang="zh-CN" altLang="en-US"/>
+                    </a:p>
+                  </a:txBody>
+                  <a:tcPr/>
+                </a:tc>
+                <a:tc>
+                  <a:txBody>
+                    <a:bodyPr/>
+                    <a:lstStyle/>
+                    <a:p>
+                      <a:endParaRPr lang="zh-CN" altLang="en-US"/>
+                    </a:p>
+                  </a:txBody>
+                  <a:tcPr/>
+                </a:tc>
+                <a:tc>
+                  <a:txBody>
+                    <a:bodyPr/>
+                    <a:lstStyle/>
+                    <a:p>
+                      <a:endParaRPr lang="zh-CN" altLang="en-US"/>
+                    </a:p>
+                  </a:txBody>
+                  <a:tcPr/>
+                </a:tc>
+                <a:tc>
+                  <a:txBody>
+                    <a:bodyPr/>
+                    <a:lstStyle/>
+                    <a:p>
+                      <a:endParaRPr lang="zh-CN" altLang="en-US"/>
+                    </a:p>
+                  </a:txBody>
+                  <a:tcPr/>
+                </a:tc>
+                <a:tc>
+                  <a:txBody>
+                    <a:bodyPr/>
+                    <a:lstStyle/>
+                    <a:p>
+                      <a:endParaRPr lang="zh-CN" altLang="en-US" dirty="0"/>
+                    </a:p>
+                  </a:txBody>
+                  <a:tcPr/>
+                </a:tc>
+                <a:extLst>
+                  <a:ext uri="{0D108BD9-81ED-4DB2-BD59-A6C34878D82A}">
+                    <a16:rowId xmlns:a16="http://schemas.microsoft.com/office/drawing/2014/main" val="3385831501"/>
+                  </a:ext>
+                </a:extLst>
+              </a:tr>
+            </a:tbl>
+          </a:graphicData>
+        </a:graphic>
+      </p:graphicFrame>
+    </p:spTree>
+    <p:extLst>
+      <p:ext uri="{BB962C8B-B14F-4D97-AF65-F5344CB8AC3E}">
+        <p14:creationId xmlns:p14="http://schemas.microsoft.com/office/powerpoint/2010/main" val="3243314638"/>
+      </p:ext>
+    </p:extLst>
+  </p:cSld>
+  <p:clrMapOvr>
+    <a:masterClrMapping/>
+  </p:clrMapOvr>
+</p:sld>
+</file>
+
+<file path=ppt/slides/slide5.xml><?xml version="1.0" encoding="utf-8"?>
+<p:sld xmlns:a="http://schemas.openxmlformats.org/drawingml/2006/main" xmlns:r="http://schemas.openxmlformats.org/officeDocument/2006/relationships" xmlns:p="http://schemas.openxmlformats.org/presentationml/2006/main">
+  <p:cSld>
+    <p:spTree>
+      <p:nvGrpSpPr>
+        <p:cNvPr id="1" name=""/>
+        <p:cNvGrpSpPr/>
+        <p:nvPr/>
+      </p:nvGrpSpPr>
+      <p:grpSpPr>
+        <a:xfrm>
+          <a:off x="0" y="0"/>
+          <a:ext cx="0" cy="0"/>
+          <a:chOff x="0" y="0"/>
+          <a:chExt cx="0" cy="0"/>
+        </a:xfrm>
+      </p:grpSpPr>
+      <p:sp>
+        <p:nvSpPr>
+          <p:cNvPr id="2" name="标题 1">
+            <a:extLst>
+              <a:ext uri="{FF2B5EF4-FFF2-40B4-BE49-F238E27FC236}">
+                <a16:creationId xmlns:a16="http://schemas.microsoft.com/office/drawing/2014/main" id="{12071FE3-4D3C-2AAD-E2AA-286EF919F049}"/>
+              </a:ext>
+            </a:extLst>
+          </p:cNvPr>
+          <p:cNvSpPr>
+            <a:spLocks noGrp="1"/>
+          </p:cNvSpPr>
+          <p:nvPr>
+            <p:ph type="title"/>
+          </p:nvPr>
+        </p:nvSpPr>
+        <p:spPr/>
+        <p:txBody>
+          <a:bodyPr/>
+          <a:lstStyle/>
+          <a:p>
+            <a:r>
+              <a:rPr lang="zh-CN" altLang="en-US" dirty="0"/>
+              <a:t>市场产品调研 </a:t>
+            </a:r>
+            <a:r>
+              <a:rPr lang="en-US" altLang="zh-CN" dirty="0"/>
+              <a:t>– </a:t>
+            </a:r>
+            <a:r>
+              <a:rPr lang="zh-CN" altLang="en-US" dirty="0"/>
+              <a:t>电动车</a:t>
+            </a:r>
+          </a:p>
+        </p:txBody>
+      </p:sp>
+      <p:graphicFrame>
+        <p:nvGraphicFramePr>
+          <p:cNvPr id="4" name="表格 4">
+            <a:extLst>
+              <a:ext uri="{FF2B5EF4-FFF2-40B4-BE49-F238E27FC236}">
+                <a16:creationId xmlns:a16="http://schemas.microsoft.com/office/drawing/2014/main" id="{15302EAB-CCB0-26B5-2D4F-F545C262E093}"/>
+              </a:ext>
+            </a:extLst>
+          </p:cNvPr>
+          <p:cNvGraphicFramePr>
+            <a:graphicFrameLocks noGrp="1"/>
+          </p:cNvGraphicFramePr>
+          <p:nvPr>
+            <p:ph idx="1"/>
+          </p:nvPr>
+        </p:nvGraphicFramePr>
+        <p:xfrm>
+          <a:off x="838200" y="1825625"/>
+          <a:ext cx="10515600" cy="3557612"/>
+        </p:xfrm>
+        <a:graphic>
+          <a:graphicData uri="http://schemas.openxmlformats.org/drawingml/2006/table">
+            <a:tbl>
+              <a:tblPr firstRow="1" bandRow="1">
+                <a:tableStyleId>{5C22544A-7EE6-4342-B048-85BDC9FD1C3A}</a:tableStyleId>
+              </a:tblPr>
+              <a:tblGrid>
+                <a:gridCol w="1074420">
+                  <a:extLst>
+                    <a:ext uri="{9D8B030D-6E8A-4147-A177-3AD203B41FA5}">
+                      <a16:colId xmlns:a16="http://schemas.microsoft.com/office/drawing/2014/main" val="2226116206"/>
+                    </a:ext>
+                  </a:extLst>
+                </a:gridCol>
+                <a:gridCol w="3309620">
+                  <a:extLst>
+                    <a:ext uri="{9D8B030D-6E8A-4147-A177-3AD203B41FA5}">
+                      <a16:colId xmlns:a16="http://schemas.microsoft.com/office/drawing/2014/main" val="704849759"/>
+                    </a:ext>
+                  </a:extLst>
+                </a:gridCol>
+                <a:gridCol w="1654048">
+                  <a:extLst>
+                    <a:ext uri="{9D8B030D-6E8A-4147-A177-3AD203B41FA5}">
+                      <a16:colId xmlns:a16="http://schemas.microsoft.com/office/drawing/2014/main" val="4266396178"/>
+                    </a:ext>
+                  </a:extLst>
+                </a:gridCol>
+                <a:gridCol w="2374392">
+                  <a:extLst>
+                    <a:ext uri="{9D8B030D-6E8A-4147-A177-3AD203B41FA5}">
+                      <a16:colId xmlns:a16="http://schemas.microsoft.com/office/drawing/2014/main" val="4050704148"/>
+                    </a:ext>
+                  </a:extLst>
+                </a:gridCol>
+                <a:gridCol w="2103120">
+                  <a:extLst>
+                    <a:ext uri="{9D8B030D-6E8A-4147-A177-3AD203B41FA5}">
+                      <a16:colId xmlns:a16="http://schemas.microsoft.com/office/drawing/2014/main" val="4062991859"/>
+                    </a:ext>
+                  </a:extLst>
+                </a:gridCol>
+              </a:tblGrid>
+              <a:tr h="370840">
+                <a:tc>
+                  <a:txBody>
+                    <a:bodyPr/>
+                    <a:lstStyle/>
+                    <a:p>
+                      <a:pPr algn="ctr"/>
+                      <a:endParaRPr lang="zh-CN" altLang="en-US" dirty="0"/>
+                    </a:p>
+                  </a:txBody>
+                  <a:tcPr/>
+                </a:tc>
+                <a:tc>
+                  <a:txBody>
+                    <a:bodyPr/>
+                    <a:lstStyle/>
+                    <a:p>
+                      <a:pPr algn="ctr"/>
+                      <a:r>
+                        <a:rPr lang="zh-CN" altLang="en-US" dirty="0"/>
+                        <a:t>产品简介</a:t>
+                      </a:r>
+                    </a:p>
+                  </a:txBody>
+                  <a:tcPr/>
+                </a:tc>
+                <a:tc>
+                  <a:txBody>
+                    <a:bodyPr/>
+                    <a:lstStyle/>
+                    <a:p>
+                      <a:pPr marL="0" marR="0" lvl="0" indent="0" algn="ctr" defTabSz="914400" rtl="0" eaLnBrk="1" fontAlgn="auto" latinLnBrk="0" hangingPunct="1">
+                        <a:lnSpc>
+                          <a:spcPct val="100000"/>
+                        </a:lnSpc>
+                        <a:spcBef>
+                          <a:spcPts val="0"/>
+                        </a:spcBef>
+                        <a:spcAft>
+                          <a:spcPts val="0"/>
+                        </a:spcAft>
+                        <a:buClrTx/>
+                        <a:buSzTx/>
+                        <a:buFontTx/>
+                        <a:buNone/>
+                        <a:tabLst/>
+                        <a:defRPr/>
+                      </a:pPr>
+                      <a:r>
+                        <a:rPr lang="zh-CN" altLang="en-US" dirty="0"/>
+                        <a:t>产品上市时间</a:t>
+                      </a:r>
+                    </a:p>
+                  </a:txBody>
+                  <a:tcPr/>
+                </a:tc>
+                <a:tc>
+                  <a:txBody>
+                    <a:bodyPr/>
+                    <a:lstStyle/>
+                    <a:p>
+                      <a:pPr algn="ctr"/>
+                      <a:r>
+                        <a:rPr lang="zh-CN" altLang="en-US" dirty="0"/>
+                        <a:t>主要功能</a:t>
+                      </a:r>
+                    </a:p>
+                  </a:txBody>
+                  <a:tcPr/>
+                </a:tc>
+                <a:tc>
+                  <a:txBody>
+                    <a:bodyPr/>
+                    <a:lstStyle/>
+                    <a:p>
+                      <a:pPr algn="ctr"/>
+                      <a:endParaRPr lang="zh-CN" altLang="en-US" dirty="0"/>
+                    </a:p>
+                  </a:txBody>
+                  <a:tcPr/>
+                </a:tc>
+                <a:extLst>
+                  <a:ext uri="{0D108BD9-81ED-4DB2-BD59-A6C34878D82A}">
+                    <a16:rowId xmlns:a16="http://schemas.microsoft.com/office/drawing/2014/main" val="2347048756"/>
+                  </a:ext>
+                </a:extLst>
+              </a:tr>
+              <a:tr h="1703412">
+                <a:tc>
+                  <a:txBody>
+                    <a:bodyPr/>
+                    <a:lstStyle/>
+                    <a:p>
+                      <a:endParaRPr lang="zh-CN" altLang="en-US" dirty="0"/>
+                    </a:p>
+                  </a:txBody>
+                  <a:tcPr/>
+                </a:tc>
+                <a:tc>
+                  <a:txBody>
+                    <a:bodyPr/>
+                    <a:lstStyle/>
+                    <a:p>
+                      <a:endParaRPr lang="zh-CN" altLang="en-US" dirty="0"/>
+                    </a:p>
+                  </a:txBody>
+                  <a:tcPr/>
+                </a:tc>
+                <a:tc>
+                  <a:txBody>
+                    <a:bodyPr/>
+                    <a:lstStyle/>
+                    <a:p>
+                      <a:endParaRPr lang="zh-CN" altLang="en-US" dirty="0"/>
+                    </a:p>
+                  </a:txBody>
+                  <a:tcPr/>
+                </a:tc>
+                <a:tc>
+                  <a:txBody>
+                    <a:bodyPr/>
+                    <a:lstStyle/>
+                    <a:p>
+                      <a:endParaRPr lang="zh-CN" altLang="en-US" dirty="0">
+                        <a:solidFill>
+                          <a:srgbClr val="FF0000"/>
+                        </a:solidFill>
+                      </a:endParaRPr>
+                    </a:p>
+                  </a:txBody>
+                  <a:tcPr/>
+                </a:tc>
+                <a:tc>
+                  <a:txBody>
+                    <a:bodyPr/>
+                    <a:lstStyle/>
+                    <a:p>
+                      <a:endParaRPr lang="zh-CN" altLang="en-US"/>
+                    </a:p>
+                  </a:txBody>
+                  <a:tcPr/>
+                </a:tc>
+                <a:extLst>
+                  <a:ext uri="{0D108BD9-81ED-4DB2-BD59-A6C34878D82A}">
+                    <a16:rowId xmlns:a16="http://schemas.microsoft.com/office/drawing/2014/main" val="3547736094"/>
+                  </a:ext>
+                </a:extLst>
+              </a:tr>
+              <a:tr h="370840">
+                <a:tc>
+                  <a:txBody>
+                    <a:bodyPr/>
+                    <a:lstStyle/>
+                    <a:p>
+                      <a:endParaRPr lang="zh-CN" altLang="en-US"/>
+                    </a:p>
+                  </a:txBody>
+                  <a:tcPr/>
+                </a:tc>
+                <a:tc>
+                  <a:txBody>
+                    <a:bodyPr/>
+                    <a:lstStyle/>
+                    <a:p>
+                      <a:endParaRPr lang="zh-CN" altLang="en-US"/>
+                    </a:p>
+                  </a:txBody>
+                  <a:tcPr/>
+                </a:tc>
+                <a:tc>
+                  <a:txBody>
+                    <a:bodyPr/>
+                    <a:lstStyle/>
+                    <a:p>
+                      <a:endParaRPr lang="zh-CN" altLang="en-US"/>
+                    </a:p>
+                  </a:txBody>
+                  <a:tcPr/>
+                </a:tc>
+                <a:tc>
+                  <a:txBody>
+                    <a:bodyPr/>
+                    <a:lstStyle/>
+                    <a:p>
+                      <a:endParaRPr lang="zh-CN" altLang="en-US" dirty="0"/>
+                    </a:p>
+                  </a:txBody>
+                  <a:tcPr/>
+                </a:tc>
+                <a:tc>
+                  <a:txBody>
+                    <a:bodyPr/>
+                    <a:lstStyle/>
+                    <a:p>
+                      <a:endParaRPr lang="zh-CN" altLang="en-US"/>
+                    </a:p>
+                  </a:txBody>
+                  <a:tcPr/>
+                </a:tc>
+                <a:extLst>
+                  <a:ext uri="{0D108BD9-81ED-4DB2-BD59-A6C34878D82A}">
+                    <a16:rowId xmlns:a16="http://schemas.microsoft.com/office/drawing/2014/main" val="4075767219"/>
+                  </a:ext>
+                </a:extLst>
+              </a:tr>
+              <a:tr h="370840">
+                <a:tc>
+                  <a:txBody>
+                    <a:bodyPr/>
+                    <a:lstStyle/>
+                    <a:p>
+                      <a:endParaRPr lang="zh-CN" altLang="en-US"/>
+                    </a:p>
+                  </a:txBody>
+                  <a:tcPr/>
+                </a:tc>
+                <a:tc>
+                  <a:txBody>
+                    <a:bodyPr/>
+                    <a:lstStyle/>
+                    <a:p>
+                      <a:endParaRPr lang="zh-CN" altLang="en-US"/>
+                    </a:p>
+                  </a:txBody>
+                  <a:tcPr/>
+                </a:tc>
+                <a:tc>
+                  <a:txBody>
+                    <a:bodyPr/>
+                    <a:lstStyle/>
+                    <a:p>
+                      <a:endParaRPr lang="zh-CN" altLang="en-US"/>
+                    </a:p>
+                  </a:txBody>
+                  <a:tcPr/>
+                </a:tc>
+                <a:tc>
+                  <a:txBody>
+                    <a:bodyPr/>
+                    <a:lstStyle/>
+                    <a:p>
+                      <a:endParaRPr lang="zh-CN" altLang="en-US"/>
+                    </a:p>
+                  </a:txBody>
+                  <a:tcPr/>
+                </a:tc>
+                <a:tc>
+                  <a:txBody>
+                    <a:bodyPr/>
+                    <a:lstStyle/>
+                    <a:p>
+                      <a:endParaRPr lang="zh-CN" altLang="en-US"/>
+                    </a:p>
+                  </a:txBody>
+                  <a:tcPr/>
+                </a:tc>
+                <a:extLst>
+                  <a:ext uri="{0D108BD9-81ED-4DB2-BD59-A6C34878D82A}">
+                    <a16:rowId xmlns:a16="http://schemas.microsoft.com/office/drawing/2014/main" val="1757411061"/>
+                  </a:ext>
+                </a:extLst>
+              </a:tr>
+              <a:tr h="370840">
+                <a:tc>
+                  <a:txBody>
+                    <a:bodyPr/>
+                    <a:lstStyle/>
+                    <a:p>
+                      <a:endParaRPr lang="zh-CN" altLang="en-US"/>
+                    </a:p>
+                  </a:txBody>
+                  <a:tcPr/>
+                </a:tc>
+                <a:tc>
+                  <a:txBody>
+                    <a:bodyPr/>
+                    <a:lstStyle/>
+                    <a:p>
+                      <a:endParaRPr lang="zh-CN" altLang="en-US"/>
+                    </a:p>
+                  </a:txBody>
+                  <a:tcPr/>
+                </a:tc>
+                <a:tc>
+                  <a:txBody>
+                    <a:bodyPr/>
+                    <a:lstStyle/>
+                    <a:p>
+                      <a:endParaRPr lang="zh-CN" altLang="en-US"/>
+                    </a:p>
+                  </a:txBody>
+                  <a:tcPr/>
+                </a:tc>
+                <a:tc>
+                  <a:txBody>
+                    <a:bodyPr/>
+                    <a:lstStyle/>
+                    <a:p>
+                      <a:endParaRPr lang="zh-CN" altLang="en-US"/>
+                    </a:p>
+                  </a:txBody>
+                  <a:tcPr/>
+                </a:tc>
+                <a:tc>
+                  <a:txBody>
+                    <a:bodyPr/>
+                    <a:lstStyle/>
+                    <a:p>
+                      <a:endParaRPr lang="zh-CN" altLang="en-US"/>
+                    </a:p>
+                  </a:txBody>
+                  <a:tcPr/>
+                </a:tc>
+                <a:extLst>
+                  <a:ext uri="{0D108BD9-81ED-4DB2-BD59-A6C34878D82A}">
+                    <a16:rowId xmlns:a16="http://schemas.microsoft.com/office/drawing/2014/main" val="1104808748"/>
+                  </a:ext>
+                </a:extLst>
+              </a:tr>
+              <a:tr h="370840">
+                <a:tc>
+                  <a:txBody>
+                    <a:bodyPr/>
+                    <a:lstStyle/>
+                    <a:p>
+                      <a:endParaRPr lang="zh-CN" altLang="en-US"/>
+                    </a:p>
+                  </a:txBody>
+                  <a:tcPr/>
+                </a:tc>
+                <a:tc>
+                  <a:txBody>
+                    <a:bodyPr/>
+                    <a:lstStyle/>
+                    <a:p>
+                      <a:endParaRPr lang="zh-CN" altLang="en-US"/>
+                    </a:p>
+                  </a:txBody>
+                  <a:tcPr/>
+                </a:tc>
+                <a:tc>
+                  <a:txBody>
+                    <a:bodyPr/>
+                    <a:lstStyle/>
+                    <a:p>
+                      <a:endParaRPr lang="zh-CN" altLang="en-US"/>
+                    </a:p>
+                  </a:txBody>
+                  <a:tcPr/>
+                </a:tc>
+                <a:tc>
+                  <a:txBody>
+                    <a:bodyPr/>
+                    <a:lstStyle/>
+                    <a:p>
+                      <a:endParaRPr lang="zh-CN" altLang="en-US"/>
+                    </a:p>
+                  </a:txBody>
+                  <a:tcPr/>
+                </a:tc>
+                <a:tc>
+                  <a:txBody>
+                    <a:bodyPr/>
+                    <a:lstStyle/>
+                    <a:p>
+                      <a:endParaRPr lang="zh-CN" altLang="en-US" dirty="0"/>
+                    </a:p>
+                  </a:txBody>
+                  <a:tcPr/>
+                </a:tc>
+                <a:extLst>
+                  <a:ext uri="{0D108BD9-81ED-4DB2-BD59-A6C34878D82A}">
+                    <a16:rowId xmlns:a16="http://schemas.microsoft.com/office/drawing/2014/main" val="3385831501"/>
+                  </a:ext>
+                </a:extLst>
+              </a:tr>
+            </a:tbl>
+          </a:graphicData>
+        </a:graphic>
+      </p:graphicFrame>
+    </p:spTree>
+    <p:extLst>
+      <p:ext uri="{BB962C8B-B14F-4D97-AF65-F5344CB8AC3E}">
+        <p14:creationId xmlns:p14="http://schemas.microsoft.com/office/powerpoint/2010/main" val="3165371010"/>
+      </p:ext>
+    </p:extLst>
+  </p:cSld>
+  <p:clrMapOvr>
+    <a:masterClrMapping/>
+  </p:clrMapOvr>
+</p:sld>
+</file>
+
+<file path=ppt/slides/slide6.xml><?xml version="1.0" encoding="utf-8"?>
+<p:sld xmlns:a="http://schemas.openxmlformats.org/drawingml/2006/main" xmlns:r="http://schemas.openxmlformats.org/officeDocument/2006/relationships" xmlns:p="http://schemas.openxmlformats.org/presentationml/2006/main">
+  <p:cSld>
+    <p:spTree>
+      <p:nvGrpSpPr>
+        <p:cNvPr id="1" name=""/>
+        <p:cNvGrpSpPr/>
+        <p:nvPr/>
+      </p:nvGrpSpPr>
+      <p:grpSpPr>
+        <a:xfrm>
+          <a:off x="0" y="0"/>
+          <a:ext cx="0" cy="0"/>
+          <a:chOff x="0" y="0"/>
+          <a:chExt cx="0" cy="0"/>
+        </a:xfrm>
+      </p:grpSpPr>
+      <p:sp>
+        <p:nvSpPr>
+          <p:cNvPr id="2" name="标题 1">
+            <a:extLst>
+              <a:ext uri="{FF2B5EF4-FFF2-40B4-BE49-F238E27FC236}">
+                <a16:creationId xmlns:a16="http://schemas.microsoft.com/office/drawing/2014/main" id="{FA866261-9EB2-FD67-7020-0F8519C8226E}"/>
+              </a:ext>
+            </a:extLst>
+          </p:cNvPr>
+          <p:cNvSpPr>
+            <a:spLocks noGrp="1"/>
+          </p:cNvSpPr>
+          <p:nvPr>
+            <p:ph type="title"/>
+          </p:nvPr>
+        </p:nvSpPr>
+        <p:spPr/>
+        <p:txBody>
+          <a:bodyPr/>
+          <a:lstStyle/>
+          <a:p>
+            <a:r>
+              <a:rPr lang="zh-CN" altLang="en-US" dirty="0"/>
+              <a:t>市场存量调研</a:t>
+            </a:r>
+          </a:p>
+        </p:txBody>
+      </p:sp>
+      <p:sp>
+        <p:nvSpPr>
+          <p:cNvPr id="3" name="内容占位符 2">
+            <a:extLst>
+              <a:ext uri="{FF2B5EF4-FFF2-40B4-BE49-F238E27FC236}">
+                <a16:creationId xmlns:a16="http://schemas.microsoft.com/office/drawing/2014/main" id="{53FBA31C-A104-910A-73C5-DFB530F04461}"/>
+              </a:ext>
+            </a:extLst>
+          </p:cNvPr>
+          <p:cNvSpPr>
+            <a:spLocks noGrp="1"/>
+          </p:cNvSpPr>
+          <p:nvPr>
+            <p:ph idx="1"/>
+          </p:nvPr>
+        </p:nvSpPr>
+        <p:spPr/>
+        <p:txBody>
+          <a:bodyPr/>
+          <a:lstStyle/>
+          <a:p>
+            <a:r>
+              <a:rPr lang="zh-CN" altLang="en-US" dirty="0"/>
+              <a:t>电动车市场规模</a:t>
+            </a:r>
+            <a:endParaRPr lang="en-US" altLang="zh-CN" dirty="0"/>
+          </a:p>
+          <a:p>
+            <a:endParaRPr lang="en-US" altLang="zh-CN" dirty="0"/>
+          </a:p>
+          <a:p>
+            <a:r>
+              <a:rPr lang="zh-CN" altLang="en-US" b="0" i="0" dirty="0">
+                <a:solidFill>
+                  <a:srgbClr val="404040"/>
+                </a:solidFill>
+                <a:effectLst/>
+                <a:latin typeface="Arial" panose="020B0604020202020204" pitchFamily="34" charset="0"/>
+              </a:rPr>
+              <a:t>普通自行车头盔</a:t>
+            </a:r>
+            <a:endParaRPr lang="en-US" altLang="zh-CN" b="0" i="0" dirty="0">
+              <a:solidFill>
+                <a:srgbClr val="404040"/>
+              </a:solidFill>
+              <a:effectLst/>
+              <a:latin typeface="Arial" panose="020B0604020202020204" pitchFamily="34" charset="0"/>
+            </a:endParaRPr>
+          </a:p>
+          <a:p>
+            <a:endParaRPr lang="en-US" altLang="zh-CN" dirty="0">
+              <a:solidFill>
+                <a:srgbClr val="404040"/>
+              </a:solidFill>
+              <a:latin typeface="Arial" panose="020B0604020202020204" pitchFamily="34" charset="0"/>
+            </a:endParaRPr>
+          </a:p>
+          <a:p>
+            <a:r>
+              <a:rPr lang="zh-CN" altLang="en-US" b="0" i="0" dirty="0">
+                <a:solidFill>
+                  <a:srgbClr val="404040"/>
+                </a:solidFill>
+                <a:effectLst/>
+                <a:latin typeface="Arial" panose="020B0604020202020204" pitchFamily="34" charset="0"/>
+              </a:rPr>
+              <a:t>普通摩托车头盔</a:t>
+            </a:r>
+            <a:endParaRPr lang="en-US" altLang="zh-CN" b="0" i="0" dirty="0">
+              <a:solidFill>
+                <a:srgbClr val="404040"/>
+              </a:solidFill>
+              <a:effectLst/>
+              <a:latin typeface="Arial" panose="020B0604020202020204" pitchFamily="34" charset="0"/>
+            </a:endParaRPr>
+          </a:p>
+          <a:p>
+            <a:pPr lvl="1"/>
+            <a:r>
+              <a:rPr lang="zh-CN" altLang="en-US" b="0" i="0" dirty="0">
+                <a:solidFill>
+                  <a:srgbClr val="404040"/>
+                </a:solidFill>
+                <a:effectLst/>
+                <a:latin typeface="Arial" panose="020B0604020202020204" pitchFamily="34" charset="0"/>
+              </a:rPr>
+              <a:t>摩托车标准在刚度、耐穿透性等方面会优于自行车头盔，参考价</a:t>
+            </a:r>
+            <a:r>
+              <a:rPr lang="en-US" altLang="zh-CN" b="0" i="0" dirty="0">
+                <a:solidFill>
+                  <a:srgbClr val="404040"/>
+                </a:solidFill>
+                <a:effectLst/>
+                <a:latin typeface="Arial" panose="020B0604020202020204" pitchFamily="34" charset="0"/>
+              </a:rPr>
+              <a:t>100</a:t>
+            </a:r>
+            <a:r>
+              <a:rPr lang="zh-CN" altLang="en-US" b="0" i="0" dirty="0">
+                <a:solidFill>
+                  <a:srgbClr val="404040"/>
+                </a:solidFill>
+                <a:effectLst/>
+                <a:latin typeface="Arial" panose="020B0604020202020204" pitchFamily="34" charset="0"/>
+              </a:rPr>
+              <a:t>元</a:t>
+            </a:r>
+            <a:endParaRPr lang="en-US" altLang="zh-CN" dirty="0"/>
+          </a:p>
+          <a:p>
+            <a:endParaRPr lang="en-US" altLang="zh-CN" dirty="0"/>
+          </a:p>
+          <a:p>
+            <a:endParaRPr lang="zh-CN" altLang="en-US" dirty="0"/>
+          </a:p>
+        </p:txBody>
+      </p:sp>
+    </p:spTree>
+    <p:extLst>
+      <p:ext uri="{BB962C8B-B14F-4D97-AF65-F5344CB8AC3E}">
+        <p14:creationId xmlns:p14="http://schemas.microsoft.com/office/powerpoint/2010/main" val="219678913"/>
+      </p:ext>
+    </p:extLst>
+  </p:cSld>
+  <p:clrMapOvr>
+    <a:masterClrMapping/>
+  </p:clrMapOvr>
+</p:sld>
+</file>
+
+<file path=ppt/slides/slide7.xml><?xml version="1.0" encoding="utf-8"?>
+<p:sld xmlns:a="http://schemas.openxmlformats.org/drawingml/2006/main" xmlns:r="http://schemas.openxmlformats.org/officeDocument/2006/relationships" xmlns:p="http://schemas.openxmlformats.org/presentationml/2006/main">
+  <p:cSld>
+    <p:spTree>
+      <p:nvGrpSpPr>
+        <p:cNvPr id="1" name=""/>
+        <p:cNvGrpSpPr/>
+        <p:nvPr/>
+      </p:nvGrpSpPr>
+      <p:grpSpPr>
+        <a:xfrm>
+          <a:off x="0" y="0"/>
+          <a:ext cx="0" cy="0"/>
+          <a:chOff x="0" y="0"/>
+          <a:chExt cx="0" cy="0"/>
+        </a:xfrm>
+      </p:grpSpPr>
+      <p:sp>
+        <p:nvSpPr>
+          <p:cNvPr id="2" name="标题 1">
+            <a:extLst>
+              <a:ext uri="{FF2B5EF4-FFF2-40B4-BE49-F238E27FC236}">
+                <a16:creationId xmlns:a16="http://schemas.microsoft.com/office/drawing/2014/main" id="{66B91B87-0514-E095-BEBF-32DEA50FD185}"/>
+              </a:ext>
+            </a:extLst>
+          </p:cNvPr>
+          <p:cNvSpPr>
+            <a:spLocks noGrp="1"/>
+          </p:cNvSpPr>
+          <p:nvPr>
+            <p:ph type="title"/>
+          </p:nvPr>
+        </p:nvSpPr>
+        <p:spPr/>
+        <p:txBody>
+          <a:bodyPr/>
+          <a:lstStyle/>
+          <a:p>
+            <a:endParaRPr lang="zh-CN" altLang="en-US"/>
+          </a:p>
+        </p:txBody>
+      </p:sp>
+      <p:sp>
+        <p:nvSpPr>
+          <p:cNvPr id="3" name="内容占位符 2">
+            <a:extLst>
+              <a:ext uri="{FF2B5EF4-FFF2-40B4-BE49-F238E27FC236}">
+                <a16:creationId xmlns:a16="http://schemas.microsoft.com/office/drawing/2014/main" id="{9923D1B3-AAA9-B21A-4403-2313D9713060}"/>
+              </a:ext>
+            </a:extLst>
+          </p:cNvPr>
+          <p:cNvSpPr>
+            <a:spLocks noGrp="1"/>
+          </p:cNvSpPr>
+          <p:nvPr>
+            <p:ph idx="1"/>
+          </p:nvPr>
+        </p:nvSpPr>
+        <p:spPr/>
+        <p:txBody>
+          <a:bodyPr/>
+          <a:lstStyle/>
+          <a:p>
+            <a:r>
+              <a:rPr lang="zh-CN" altLang="en-US" b="0" i="0" dirty="0">
+                <a:solidFill>
+                  <a:srgbClr val="404040"/>
+                </a:solidFill>
+                <a:effectLst/>
+                <a:latin typeface="Arial" panose="020B0604020202020204" pitchFamily="34" charset="0"/>
+              </a:rPr>
+              <a:t>主要需求</a:t>
+            </a:r>
+            <a:endParaRPr lang="en-US" altLang="zh-CN" dirty="0">
+              <a:solidFill>
+                <a:srgbClr val="404040"/>
+              </a:solidFill>
+              <a:latin typeface="Arial" panose="020B0604020202020204" pitchFamily="34" charset="0"/>
+            </a:endParaRPr>
+          </a:p>
+          <a:p>
+            <a:pPr lvl="1"/>
+            <a:r>
+              <a:rPr lang="zh-CN" altLang="en-US" dirty="0">
+                <a:solidFill>
+                  <a:srgbClr val="404040"/>
+                </a:solidFill>
+                <a:latin typeface="Arial" panose="020B0604020202020204" pitchFamily="34" charset="0"/>
+              </a:rPr>
+              <a:t>骑行过程中可以接打电话</a:t>
+            </a:r>
+            <a:endParaRPr lang="en-US" altLang="zh-CN" b="0" i="0" dirty="0">
+              <a:solidFill>
+                <a:srgbClr val="404040"/>
+              </a:solidFill>
+              <a:effectLst/>
+              <a:latin typeface="Arial" panose="020B0604020202020204" pitchFamily="34" charset="0"/>
+            </a:endParaRPr>
+          </a:p>
+          <a:p>
+            <a:pPr lvl="1"/>
+            <a:r>
+              <a:rPr lang="zh-CN" altLang="en-US" b="0" i="0" dirty="0">
+                <a:solidFill>
+                  <a:srgbClr val="404040"/>
+                </a:solidFill>
+                <a:effectLst/>
+                <a:latin typeface="Arial" panose="020B0604020202020204" pitchFamily="34" charset="0"/>
+              </a:rPr>
+              <a:t>当前骑手自购蓝牙耳机连接手机，耳机需要长时间佩戴，戴久了耳朵痛、头痛</a:t>
+            </a:r>
+            <a:endParaRPr lang="zh-CN" altLang="en-US" dirty="0"/>
+          </a:p>
+        </p:txBody>
+      </p:sp>
+    </p:spTree>
+    <p:extLst>
+      <p:ext uri="{BB962C8B-B14F-4D97-AF65-F5344CB8AC3E}">
+        <p14:creationId xmlns:p14="http://schemas.microsoft.com/office/powerpoint/2010/main" val="1586028199"/>
+      </p:ext>
+    </p:extLst>
+  </p:cSld>
+  <p:clrMapOvr>
+    <a:masterClrMapping/>
+  </p:clrMapOvr>
+</p:sld>
+</file>
+
+<file path=ppt/slides/slide8.xml><?xml version="1.0" encoding="utf-8"?>
+<p:sld xmlns:a="http://schemas.openxmlformats.org/drawingml/2006/main" xmlns:r="http://schemas.openxmlformats.org/officeDocument/2006/relationships" xmlns:p="http://schemas.openxmlformats.org/presentationml/2006/main">
+  <p:cSld>
+    <p:spTree>
+      <p:nvGrpSpPr>
+        <p:cNvPr id="1" name=""/>
+        <p:cNvGrpSpPr/>
+        <p:nvPr/>
+      </p:nvGrpSpPr>
+      <p:grpSpPr>
+        <a:xfrm>
+          <a:off x="0" y="0"/>
+          <a:ext cx="0" cy="0"/>
+          <a:chOff x="0" y="0"/>
+          <a:chExt cx="0" cy="0"/>
+        </a:xfrm>
+      </p:grpSpPr>
+      <p:sp>
+        <p:nvSpPr>
+          <p:cNvPr id="2" name="标题 1">
+            <a:extLst>
+              <a:ext uri="{FF2B5EF4-FFF2-40B4-BE49-F238E27FC236}">
+                <a16:creationId xmlns:a16="http://schemas.microsoft.com/office/drawing/2014/main" id="{C99999A2-EEE8-0C0B-99A8-5FBC499293EF}"/>
+              </a:ext>
+            </a:extLst>
+          </p:cNvPr>
+          <p:cNvSpPr>
+            <a:spLocks noGrp="1"/>
+          </p:cNvSpPr>
+          <p:nvPr>
+            <p:ph type="title"/>
+          </p:nvPr>
+        </p:nvSpPr>
+        <p:spPr/>
+        <p:txBody>
+          <a:bodyPr/>
+          <a:lstStyle/>
+          <a:p>
+            <a:r>
+              <a:rPr lang="zh-CN" altLang="en-US" dirty="0"/>
+              <a:t>工控类</a:t>
+            </a:r>
+          </a:p>
+        </p:txBody>
+      </p:sp>
+      <p:sp>
+        <p:nvSpPr>
+          <p:cNvPr id="3" name="内容占位符 2">
+            <a:extLst>
+              <a:ext uri="{FF2B5EF4-FFF2-40B4-BE49-F238E27FC236}">
+                <a16:creationId xmlns:a16="http://schemas.microsoft.com/office/drawing/2014/main" id="{87A04C63-7449-AF83-4046-43F7FA508CC3}"/>
+              </a:ext>
+            </a:extLst>
+          </p:cNvPr>
+          <p:cNvSpPr>
+            <a:spLocks noGrp="1"/>
+          </p:cNvSpPr>
+          <p:nvPr>
+            <p:ph idx="1"/>
+          </p:nvPr>
+        </p:nvSpPr>
+        <p:spPr/>
+        <p:txBody>
+          <a:bodyPr/>
+          <a:lstStyle/>
+          <a:p>
+            <a:r>
+              <a:rPr lang="zh-CN" altLang="en-US" dirty="0"/>
+              <a:t>建筑工地</a:t>
+            </a:r>
+            <a:endParaRPr lang="en-US" altLang="zh-CN" dirty="0"/>
+          </a:p>
+          <a:p>
+            <a:r>
+              <a:rPr lang="zh-CN" altLang="en-US" dirty="0"/>
+              <a:t>厂房标准作业</a:t>
+            </a:r>
+          </a:p>
+        </p:txBody>
+      </p:sp>
+    </p:spTree>
+    <p:extLst>
+      <p:ext uri="{BB962C8B-B14F-4D97-AF65-F5344CB8AC3E}">
+        <p14:creationId xmlns:p14="http://schemas.microsoft.com/office/powerpoint/2010/main" val="3437894910"/>
+      </p:ext>
+    </p:extLst>
+  </p:cSld>
+  <p:clrMapOvr>
+    <a:masterClrMapping/>
+  </p:clrMapOvr>
+</p:sld>
+</file>
+
+<file path=ppt/slides/slide9.xml><?xml version="1.0" encoding="utf-8"?>
+<p:sld xmlns:a="http://schemas.openxmlformats.org/drawingml/2006/main" xmlns:r="http://schemas.openxmlformats.org/officeDocument/2006/relationships" xmlns:p="http://schemas.openxmlformats.org/presentationml/2006/main">
+  <p:cSld>
+    <p:spTree>
+      <p:nvGrpSpPr>
+        <p:cNvPr id="1" name=""/>
+        <p:cNvGrpSpPr/>
+        <p:nvPr/>
+      </p:nvGrpSpPr>
+      <p:grpSpPr>
+        <a:xfrm>
+          <a:off x="0" y="0"/>
+          <a:ext cx="0" cy="0"/>
+          <a:chOff x="0" y="0"/>
+          <a:chExt cx="0" cy="0"/>
+        </a:xfrm>
+      </p:grpSpPr>
+      <p:sp>
+        <p:nvSpPr>
+          <p:cNvPr id="2" name="标题 1">
+            <a:extLst>
+              <a:ext uri="{FF2B5EF4-FFF2-40B4-BE49-F238E27FC236}">
+                <a16:creationId xmlns:a16="http://schemas.microsoft.com/office/drawing/2014/main" id="{5369A489-3ABE-5AB2-3E6C-77C7CA6047B2}"/>
+              </a:ext>
+            </a:extLst>
+          </p:cNvPr>
+          <p:cNvSpPr>
+            <a:spLocks noGrp="1"/>
+          </p:cNvSpPr>
+          <p:nvPr>
+            <p:ph type="title"/>
+          </p:nvPr>
+        </p:nvSpPr>
+        <p:spPr/>
+        <p:txBody>
+          <a:bodyPr/>
+          <a:lstStyle/>
+          <a:p>
+            <a:r>
+              <a:rPr lang="zh-CN" altLang="en-US" dirty="0"/>
+              <a:t>消费类</a:t>
+            </a:r>
+          </a:p>
+        </p:txBody>
+      </p:sp>
+      <p:sp>
+        <p:nvSpPr>
+          <p:cNvPr id="3" name="内容占位符 2">
+            <a:extLst>
+              <a:ext uri="{FF2B5EF4-FFF2-40B4-BE49-F238E27FC236}">
+                <a16:creationId xmlns:a16="http://schemas.microsoft.com/office/drawing/2014/main" id="{A9222A89-15EA-2439-7E10-D24644A31079}"/>
+              </a:ext>
+            </a:extLst>
+          </p:cNvPr>
+          <p:cNvSpPr>
+            <a:spLocks noGrp="1"/>
+          </p:cNvSpPr>
+          <p:nvPr>
+            <p:ph idx="1"/>
+          </p:nvPr>
+        </p:nvSpPr>
+        <p:spPr/>
+        <p:txBody>
+          <a:bodyPr/>
+          <a:lstStyle/>
+          <a:p>
+            <a:r>
+              <a:rPr lang="zh-CN" altLang="en-US" dirty="0"/>
+              <a:t>电动车用户</a:t>
+            </a:r>
+            <a:endParaRPr lang="en-US" altLang="zh-CN" dirty="0"/>
+          </a:p>
+          <a:p>
+            <a:pPr lvl="1"/>
+            <a:r>
+              <a:rPr lang="en-US" altLang="zh-CN" dirty="0"/>
+              <a:t>C</a:t>
+            </a:r>
+            <a:r>
+              <a:rPr lang="zh-CN" altLang="en-US" dirty="0"/>
+              <a:t>端普通消费者</a:t>
+            </a:r>
+            <a:endParaRPr lang="en-US" altLang="zh-CN" dirty="0"/>
+          </a:p>
+          <a:p>
+            <a:r>
+              <a:rPr lang="zh-CN" altLang="en-US" dirty="0"/>
+              <a:t>行业用户</a:t>
+            </a:r>
+            <a:endParaRPr lang="en-US" altLang="zh-CN" dirty="0"/>
+          </a:p>
+          <a:p>
+            <a:pPr lvl="1"/>
+            <a:r>
+              <a:rPr lang="zh-CN" altLang="en-US" dirty="0"/>
+              <a:t>美团、饿了么、顺丰、抖音外卖、代驾</a:t>
+            </a:r>
+            <a:endParaRPr lang="en-US" altLang="zh-CN" dirty="0"/>
+          </a:p>
+          <a:p>
+            <a:endParaRPr lang="zh-CN" altLang="en-US" dirty="0"/>
+          </a:p>
+        </p:txBody>
+      </p:sp>
+    </p:spTree>
+    <p:extLst>
+      <p:ext uri="{BB962C8B-B14F-4D97-AF65-F5344CB8AC3E}">
+        <p14:creationId xmlns:p14="http://schemas.microsoft.com/office/powerpoint/2010/main" val="2592758240"/>
       </p:ext>
     </p:extLst>
   </p:cSld>
